--- a/table_descriptions_format.pptx
+++ b/table_descriptions_format.pptx
@@ -2,7 +2,7 @@
 <file path=ppt/presentation.xml><?xml version="1.0" encoding="utf-8"?>
 <p:presentation xmlns:a="http://schemas.openxmlformats.org/drawingml/2006/main" xmlns:r="http://schemas.openxmlformats.org/officeDocument/2006/relationships" xmlns:p="http://schemas.openxmlformats.org/presentationml/2006/main" saveSubsetFonts="1">
   <p:sldMasterIdLst>
-    <p:sldMasterId id="2147483660" r:id="rId1"/>
+    <p:sldMasterId id="2147483672" r:id="rId1"/>
   </p:sldMasterIdLst>
   <p:sldIdLst>
     <p:sldId id="259" r:id="rId2"/>
@@ -105,6 +105,11 @@
       </a:defRPr>
     </a:lvl9pPr>
   </p:defaultTextStyle>
+  <p:extLst>
+    <p:ext uri="{EFAFB233-063F-42B5-8137-9DF3F51BA10A}">
+      <p15:sldGuideLst xmlns:p15="http://schemas.microsoft.com/office/powerpoint/2012/main"/>
+    </p:ext>
+  </p:extLst>
 </p:presentation>
 </file>
 
@@ -115,20 +120,6 @@
 <file path=ppt/slideLayouts/slideLayout1.xml><?xml version="1.0" encoding="utf-8"?>
 <p:sldLayout xmlns:a="http://schemas.openxmlformats.org/drawingml/2006/main" xmlns:r="http://schemas.openxmlformats.org/officeDocument/2006/relationships" xmlns:p="http://schemas.openxmlformats.org/presentationml/2006/main" type="title" preserve="1">
   <p:cSld name="Title Slide">
-    <p:bg>
-      <p:bgPr>
-        <a:blipFill dpi="0" rotWithShape="1">
-          <a:blip r:embed="rId2">
-            <a:lum/>
-          </a:blip>
-          <a:srcRect/>
-          <a:stretch>
-            <a:fillRect/>
-          </a:stretch>
-        </a:blipFill>
-        <a:effectLst/>
-      </p:bgPr>
-    </p:bg>
     <p:spTree>
       <p:nvGrpSpPr>
         <p:cNvPr id="1" name=""/>
@@ -155,32 +146,23 @@
         </p:nvSpPr>
         <p:spPr>
           <a:xfrm>
-            <a:off x="609600" y="261254"/>
-            <a:ext cx="8226490" cy="3083767"/>
+            <a:off x="1524000" y="1122363"/>
+            <a:ext cx="9144000" cy="2387600"/>
           </a:xfrm>
         </p:spPr>
         <p:txBody>
-          <a:bodyPr anchor="b">
-            <a:normAutofit/>
-          </a:bodyPr>
+          <a:bodyPr anchor="b"/>
           <a:lstStyle>
-            <a:lvl1pPr algn="l">
-              <a:lnSpc>
-                <a:spcPct val="80000"/>
-              </a:lnSpc>
-              <a:defRPr sz="7200">
-                <a:solidFill>
-                  <a:schemeClr val="tx1"/>
-                </a:solidFill>
-              </a:defRPr>
+            <a:lvl1pPr algn="ctr">
+              <a:defRPr sz="6000"/>
             </a:lvl1pPr>
           </a:lstStyle>
           <a:p>
             <a:r>
-              <a:rPr lang="en-US"/>
+              <a:rPr lang="en-US" smtClean="0"/>
               <a:t>Click to edit Master title style</a:t>
             </a:r>
-            <a:endParaRPr lang="en-US" dirty="0"/>
+            <a:endParaRPr lang="en-US"/>
           </a:p>
         </p:txBody>
       </p:sp>
@@ -196,23 +178,16 @@
         </p:nvSpPr>
         <p:spPr>
           <a:xfrm>
-            <a:off x="609600" y="3386585"/>
-            <a:ext cx="8229600" cy="1371600"/>
+            <a:off x="1524000" y="3602038"/>
+            <a:ext cx="9144000" cy="1655762"/>
           </a:xfrm>
         </p:spPr>
         <p:txBody>
           <a:bodyPr/>
           <a:lstStyle>
-            <a:lvl1pPr marL="0" indent="0" algn="l">
-              <a:spcBef>
-                <a:spcPts val="1200"/>
-              </a:spcBef>
-              <a:buNone/>
-              <a:defRPr sz="2400">
-                <a:solidFill>
-                  <a:schemeClr val="accent1"/>
-                </a:solidFill>
-              </a:defRPr>
+            <a:lvl1pPr marL="0" indent="0" algn="ctr">
+              <a:buNone/>
+              <a:defRPr sz="2400"/>
             </a:lvl1pPr>
             <a:lvl2pPr marL="457200" indent="0" algn="ctr">
               <a:buNone/>
@@ -249,16 +224,82 @@
           </a:lstStyle>
           <a:p>
             <a:r>
-              <a:rPr lang="en-US"/>
+              <a:rPr lang="en-US" smtClean="0"/>
               <a:t>Click to edit Master subtitle style</a:t>
             </a:r>
+            <a:endParaRPr lang="en-US"/>
+          </a:p>
+        </p:txBody>
+      </p:sp>
+      <p:sp>
+        <p:nvSpPr>
+          <p:cNvPr id="4" name="Date Placeholder 3"/>
+          <p:cNvSpPr>
+            <a:spLocks noGrp="1"/>
+          </p:cNvSpPr>
+          <p:nvPr>
+            <p:ph type="dt" sz="half" idx="10"/>
+          </p:nvPr>
+        </p:nvSpPr>
+        <p:spPr/>
+        <p:txBody>
+          <a:bodyPr/>
+          <a:lstStyle/>
+          <a:p>
+            <a:fld id="{2DB70E5C-928A-4A7C-A88C-70BC2713395B}" type="datetimeFigureOut">
+              <a:rPr lang="en-US" smtClean="0"/>
+              <a:t>10/24/2017</a:t>
+            </a:fld>
+            <a:endParaRPr lang="en-US"/>
+          </a:p>
+        </p:txBody>
+      </p:sp>
+      <p:sp>
+        <p:nvSpPr>
+          <p:cNvPr id="5" name="Footer Placeholder 4"/>
+          <p:cNvSpPr>
+            <a:spLocks noGrp="1"/>
+          </p:cNvSpPr>
+          <p:nvPr>
+            <p:ph type="ftr" sz="quarter" idx="11"/>
+          </p:nvPr>
+        </p:nvSpPr>
+        <p:spPr/>
+        <p:txBody>
+          <a:bodyPr/>
+          <a:lstStyle/>
+          <a:p>
+            <a:endParaRPr lang="en-US"/>
+          </a:p>
+        </p:txBody>
+      </p:sp>
+      <p:sp>
+        <p:nvSpPr>
+          <p:cNvPr id="6" name="Slide Number Placeholder 5"/>
+          <p:cNvSpPr>
+            <a:spLocks noGrp="1"/>
+          </p:cNvSpPr>
+          <p:nvPr>
+            <p:ph type="sldNum" sz="quarter" idx="12"/>
+          </p:nvPr>
+        </p:nvSpPr>
+        <p:spPr/>
+        <p:txBody>
+          <a:bodyPr/>
+          <a:lstStyle/>
+          <a:p>
+            <a:fld id="{7055557D-65DA-497D-8132-50C681CC3B02}" type="slidenum">
+              <a:rPr lang="en-US" smtClean="0"/>
+              <a:t>‹#›</a:t>
+            </a:fld>
+            <a:endParaRPr lang="en-US"/>
           </a:p>
         </p:txBody>
       </p:sp>
     </p:spTree>
     <p:extLst>
       <p:ext uri="{BB962C8B-B14F-4D97-AF65-F5344CB8AC3E}">
-        <p14:creationId xmlns:p14="http://schemas.microsoft.com/office/powerpoint/2010/main" val="2357855025"/>
+        <p14:creationId xmlns:p14="http://schemas.microsoft.com/office/powerpoint/2010/main" val="652935712"/>
       </p:ext>
     </p:extLst>
   </p:cSld>
@@ -277,6 +318,13 @@
       </p:transition>
     </mc:Fallback>
   </mc:AlternateContent>
+  <p:timing>
+    <p:tnLst>
+      <p:par>
+        <p:cTn id="1" dur="indefinite" restart="never" nodeType="tmRoot"/>
+      </p:par>
+    </p:tnLst>
+  </p:timing>
 </p:sldLayout>
 </file>
 
@@ -313,9 +361,10 @@
           <a:lstStyle/>
           <a:p>
             <a:r>
-              <a:rPr lang="en-US"/>
+              <a:rPr lang="en-US" smtClean="0"/>
               <a:t>Click to edit Master title style</a:t>
             </a:r>
+            <a:endParaRPr lang="en-US"/>
           </a:p>
         </p:txBody>
       </p:sp>
@@ -336,60 +385,38 @@
           <a:p>
             <a:pPr lvl="0"/>
             <a:r>
-              <a:rPr lang="en-US"/>
-              <a:t>Edit Master text styles</a:t>
+              <a:rPr lang="en-US" smtClean="0"/>
+              <a:t>Click to edit Master text styles</a:t>
             </a:r>
           </a:p>
           <a:p>
             <a:pPr lvl="1"/>
             <a:r>
-              <a:rPr lang="en-US"/>
+              <a:rPr lang="en-US" smtClean="0"/>
               <a:t>Second level</a:t>
             </a:r>
           </a:p>
           <a:p>
             <a:pPr lvl="2"/>
             <a:r>
-              <a:rPr lang="en-US"/>
+              <a:rPr lang="en-US" smtClean="0"/>
               <a:t>Third level</a:t>
             </a:r>
           </a:p>
           <a:p>
             <a:pPr lvl="3"/>
             <a:r>
-              <a:rPr lang="en-US"/>
+              <a:rPr lang="en-US" smtClean="0"/>
               <a:t>Fourth level</a:t>
             </a:r>
           </a:p>
           <a:p>
             <a:pPr lvl="4"/>
             <a:r>
-              <a:rPr lang="en-US"/>
+              <a:rPr lang="en-US" smtClean="0"/>
               <a:t>Fifth level</a:t>
             </a:r>
-          </a:p>
-        </p:txBody>
-      </p:sp>
-      <p:sp>
-        <p:nvSpPr>
-          <p:cNvPr id="5" name="Footer Placeholder 4"/>
-          <p:cNvSpPr>
-            <a:spLocks noGrp="1"/>
-          </p:cNvSpPr>
-          <p:nvPr>
-            <p:ph type="ftr" sz="quarter" idx="11"/>
-          </p:nvPr>
-        </p:nvSpPr>
-        <p:spPr/>
-        <p:txBody>
-          <a:bodyPr/>
-          <a:lstStyle/>
-          <a:p>
-            <a:r>
-              <a:rPr lang="en-US"/>
-              <a:t>Add a footer</a:t>
-            </a:r>
-            <a:endParaRPr lang="en-US" dirty="0"/>
+            <a:endParaRPr lang="en-US"/>
           </a:p>
         </p:txBody>
       </p:sp>
@@ -418,6 +445,29 @@
       </p:sp>
       <p:sp>
         <p:nvSpPr>
+          <p:cNvPr id="5" name="Footer Placeholder 4"/>
+          <p:cNvSpPr>
+            <a:spLocks noGrp="1"/>
+          </p:cNvSpPr>
+          <p:nvPr>
+            <p:ph type="ftr" sz="quarter" idx="11"/>
+          </p:nvPr>
+        </p:nvSpPr>
+        <p:spPr/>
+        <p:txBody>
+          <a:bodyPr/>
+          <a:lstStyle/>
+          <a:p>
+            <a:r>
+              <a:rPr lang="en-US" smtClean="0"/>
+              <a:t>Add a footer</a:t>
+            </a:r>
+            <a:endParaRPr lang="en-US" dirty="0"/>
+          </a:p>
+        </p:txBody>
+      </p:sp>
+      <p:sp>
+        <p:nvSpPr>
           <p:cNvPr id="6" name="Slide Number Placeholder 5"/>
           <p:cNvSpPr>
             <a:spLocks noGrp="1"/>
@@ -442,7 +492,7 @@
     </p:spTree>
     <p:extLst>
       <p:ext uri="{BB962C8B-B14F-4D97-AF65-F5344CB8AC3E}">
-        <p14:creationId xmlns:p14="http://schemas.microsoft.com/office/powerpoint/2010/main" val="2209376459"/>
+        <p14:creationId xmlns:p14="http://schemas.microsoft.com/office/powerpoint/2010/main" val="860286178"/>
       </p:ext>
     </p:extLst>
   </p:cSld>
@@ -461,6 +511,13 @@
       </p:transition>
     </mc:Fallback>
   </mc:AlternateContent>
+  <p:timing>
+    <p:tnLst>
+      <p:par>
+        <p:cTn id="1" dur="indefinite" restart="never" nodeType="tmRoot"/>
+      </p:par>
+    </p:tnLst>
+  </p:timing>
 </p:sldLayout>
 </file>
 
@@ -493,23 +550,19 @@
         </p:nvSpPr>
         <p:spPr>
           <a:xfrm>
-            <a:off x="9250680" y="365125"/>
-            <a:ext cx="1645920" cy="5811838"/>
+            <a:off x="8724900" y="365125"/>
+            <a:ext cx="2628900" cy="5811838"/>
           </a:xfrm>
         </p:spPr>
         <p:txBody>
           <a:bodyPr vert="eaVert"/>
-          <a:lstStyle>
-            <a:lvl1pPr>
-              <a:defRPr/>
-            </a:lvl1pPr>
-          </a:lstStyle>
-          <a:p>
-            <a:r>
-              <a:rPr lang="en-US"/>
+          <a:lstStyle/>
+          <a:p>
+            <a:r>
+              <a:rPr lang="en-US" smtClean="0"/>
               <a:t>Click to edit Master title style</a:t>
             </a:r>
-            <a:endParaRPr lang="en-US" dirty="0"/>
+            <a:endParaRPr lang="en-US"/>
           </a:p>
         </p:txBody>
       </p:sp>
@@ -525,8 +578,8 @@
         </p:nvSpPr>
         <p:spPr>
           <a:xfrm>
-            <a:off x="1295400" y="365125"/>
-            <a:ext cx="7624664" cy="5811838"/>
+            <a:off x="838200" y="365125"/>
+            <a:ext cx="7734300" cy="5811838"/>
           </a:xfrm>
         </p:spPr>
         <p:txBody>
@@ -535,60 +588,38 @@
           <a:p>
             <a:pPr lvl="0"/>
             <a:r>
-              <a:rPr lang="en-US"/>
-              <a:t>Edit Master text styles</a:t>
+              <a:rPr lang="en-US" smtClean="0"/>
+              <a:t>Click to edit Master text styles</a:t>
             </a:r>
           </a:p>
           <a:p>
             <a:pPr lvl="1"/>
             <a:r>
-              <a:rPr lang="en-US"/>
+              <a:rPr lang="en-US" smtClean="0"/>
               <a:t>Second level</a:t>
             </a:r>
           </a:p>
           <a:p>
             <a:pPr lvl="2"/>
             <a:r>
-              <a:rPr lang="en-US"/>
+              <a:rPr lang="en-US" smtClean="0"/>
               <a:t>Third level</a:t>
             </a:r>
           </a:p>
           <a:p>
             <a:pPr lvl="3"/>
             <a:r>
-              <a:rPr lang="en-US"/>
+              <a:rPr lang="en-US" smtClean="0"/>
               <a:t>Fourth level</a:t>
             </a:r>
           </a:p>
           <a:p>
             <a:pPr lvl="4"/>
             <a:r>
-              <a:rPr lang="en-US"/>
+              <a:rPr lang="en-US" smtClean="0"/>
               <a:t>Fifth level</a:t>
             </a:r>
-          </a:p>
-        </p:txBody>
-      </p:sp>
-      <p:sp>
-        <p:nvSpPr>
-          <p:cNvPr id="5" name="Footer Placeholder 4"/>
-          <p:cNvSpPr>
-            <a:spLocks noGrp="1"/>
-          </p:cNvSpPr>
-          <p:nvPr>
-            <p:ph type="ftr" sz="quarter" idx="11"/>
-          </p:nvPr>
-        </p:nvSpPr>
-        <p:spPr/>
-        <p:txBody>
-          <a:bodyPr/>
-          <a:lstStyle/>
-          <a:p>
-            <a:r>
-              <a:rPr lang="en-US"/>
-              <a:t>Add a footer</a:t>
-            </a:r>
-            <a:endParaRPr lang="en-US" dirty="0"/>
+            <a:endParaRPr lang="en-US"/>
           </a:p>
         </p:txBody>
       </p:sp>
@@ -617,6 +648,29 @@
       </p:sp>
       <p:sp>
         <p:nvSpPr>
+          <p:cNvPr id="5" name="Footer Placeholder 4"/>
+          <p:cNvSpPr>
+            <a:spLocks noGrp="1"/>
+          </p:cNvSpPr>
+          <p:nvPr>
+            <p:ph type="ftr" sz="quarter" idx="11"/>
+          </p:nvPr>
+        </p:nvSpPr>
+        <p:spPr/>
+        <p:txBody>
+          <a:bodyPr/>
+          <a:lstStyle/>
+          <a:p>
+            <a:r>
+              <a:rPr lang="en-US" smtClean="0"/>
+              <a:t>Add a footer</a:t>
+            </a:r>
+            <a:endParaRPr lang="en-US" dirty="0"/>
+          </a:p>
+        </p:txBody>
+      </p:sp>
+      <p:sp>
+        <p:nvSpPr>
           <p:cNvPr id="6" name="Slide Number Placeholder 5"/>
           <p:cNvSpPr>
             <a:spLocks noGrp="1"/>
@@ -641,7 +695,7 @@
     </p:spTree>
     <p:extLst>
       <p:ext uri="{BB962C8B-B14F-4D97-AF65-F5344CB8AC3E}">
-        <p14:creationId xmlns:p14="http://schemas.microsoft.com/office/powerpoint/2010/main" val="3525026330"/>
+        <p14:creationId xmlns:p14="http://schemas.microsoft.com/office/powerpoint/2010/main" val="2710809780"/>
       </p:ext>
     </p:extLst>
   </p:cSld>
@@ -660,6 +714,13 @@
       </p:transition>
     </mc:Fallback>
   </mc:AlternateContent>
+  <p:timing>
+    <p:tnLst>
+      <p:par>
+        <p:cTn id="1" dur="indefinite" restart="never" nodeType="tmRoot"/>
+      </p:par>
+    </p:tnLst>
+  </p:timing>
 </p:sldLayout>
 </file>
 
@@ -696,9 +757,10 @@
           <a:lstStyle/>
           <a:p>
             <a:r>
-              <a:rPr lang="en-US"/>
+              <a:rPr lang="en-US" smtClean="0"/>
               <a:t>Click to edit Master title style</a:t>
             </a:r>
+            <a:endParaRPr lang="en-US"/>
           </a:p>
         </p:txBody>
       </p:sp>
@@ -719,60 +781,38 @@
           <a:p>
             <a:pPr lvl="0"/>
             <a:r>
-              <a:rPr lang="en-US"/>
-              <a:t>Edit Master text styles</a:t>
+              <a:rPr lang="en-US" smtClean="0"/>
+              <a:t>Click to edit Master text styles</a:t>
             </a:r>
           </a:p>
           <a:p>
             <a:pPr lvl="1"/>
             <a:r>
-              <a:rPr lang="en-US"/>
+              <a:rPr lang="en-US" smtClean="0"/>
               <a:t>Second level</a:t>
             </a:r>
           </a:p>
           <a:p>
             <a:pPr lvl="2"/>
             <a:r>
-              <a:rPr lang="en-US"/>
+              <a:rPr lang="en-US" smtClean="0"/>
               <a:t>Third level</a:t>
             </a:r>
           </a:p>
           <a:p>
             <a:pPr lvl="3"/>
             <a:r>
-              <a:rPr lang="en-US"/>
+              <a:rPr lang="en-US" smtClean="0"/>
               <a:t>Fourth level</a:t>
             </a:r>
           </a:p>
           <a:p>
             <a:pPr lvl="4"/>
             <a:r>
-              <a:rPr lang="en-US"/>
+              <a:rPr lang="en-US" smtClean="0"/>
               <a:t>Fifth level</a:t>
             </a:r>
-          </a:p>
-        </p:txBody>
-      </p:sp>
-      <p:sp>
-        <p:nvSpPr>
-          <p:cNvPr id="5" name="Footer Placeholder 4"/>
-          <p:cNvSpPr>
-            <a:spLocks noGrp="1"/>
-          </p:cNvSpPr>
-          <p:nvPr>
-            <p:ph type="ftr" sz="quarter" idx="11"/>
-          </p:nvPr>
-        </p:nvSpPr>
-        <p:spPr/>
-        <p:txBody>
-          <a:bodyPr/>
-          <a:lstStyle/>
-          <a:p>
-            <a:r>
-              <a:rPr lang="en-US"/>
-              <a:t>Add a footer</a:t>
-            </a:r>
-            <a:endParaRPr lang="en-US" dirty="0"/>
+            <a:endParaRPr lang="en-US"/>
           </a:p>
         </p:txBody>
       </p:sp>
@@ -801,6 +841,29 @@
       </p:sp>
       <p:sp>
         <p:nvSpPr>
+          <p:cNvPr id="5" name="Footer Placeholder 4"/>
+          <p:cNvSpPr>
+            <a:spLocks noGrp="1"/>
+          </p:cNvSpPr>
+          <p:nvPr>
+            <p:ph type="ftr" sz="quarter" idx="11"/>
+          </p:nvPr>
+        </p:nvSpPr>
+        <p:spPr/>
+        <p:txBody>
+          <a:bodyPr/>
+          <a:lstStyle/>
+          <a:p>
+            <a:r>
+              <a:rPr lang="en-US" smtClean="0"/>
+              <a:t>Add a footer</a:t>
+            </a:r>
+            <a:endParaRPr lang="en-US" dirty="0"/>
+          </a:p>
+        </p:txBody>
+      </p:sp>
+      <p:sp>
+        <p:nvSpPr>
           <p:cNvPr id="6" name="Slide Number Placeholder 5"/>
           <p:cNvSpPr>
             <a:spLocks noGrp="1"/>
@@ -825,7 +888,7 @@
     </p:spTree>
     <p:extLst>
       <p:ext uri="{BB962C8B-B14F-4D97-AF65-F5344CB8AC3E}">
-        <p14:creationId xmlns:p14="http://schemas.microsoft.com/office/powerpoint/2010/main" val="1241213945"/>
+        <p14:creationId xmlns:p14="http://schemas.microsoft.com/office/powerpoint/2010/main" val="1525775026"/>
       </p:ext>
     </p:extLst>
   </p:cSld>
@@ -844,26 +907,19 @@
       </p:transition>
     </mc:Fallback>
   </mc:AlternateContent>
+  <p:timing>
+    <p:tnLst>
+      <p:par>
+        <p:cTn id="1" dur="indefinite" restart="never" nodeType="tmRoot"/>
+      </p:par>
+    </p:tnLst>
+  </p:timing>
 </p:sldLayout>
 </file>
 
 <file path=ppt/slideLayouts/slideLayout3.xml><?xml version="1.0" encoding="utf-8"?>
 <p:sldLayout xmlns:a="http://schemas.openxmlformats.org/drawingml/2006/main" xmlns:r="http://schemas.openxmlformats.org/officeDocument/2006/relationships" xmlns:p="http://schemas.openxmlformats.org/presentationml/2006/main" type="secHead" preserve="1">
   <p:cSld name="Section Header">
-    <p:bg>
-      <p:bgPr>
-        <a:blipFill dpi="0" rotWithShape="1">
-          <a:blip r:embed="rId2">
-            <a:lum/>
-          </a:blip>
-          <a:srcRect/>
-          <a:stretch>
-            <a:fillRect/>
-          </a:stretch>
-        </a:blipFill>
-        <a:effectLst/>
-      </p:bgPr>
-    </p:bg>
     <p:spTree>
       <p:nvGrpSpPr>
         <p:cNvPr id="1" name=""/>
@@ -890,24 +946,23 @@
         </p:nvSpPr>
         <p:spPr>
           <a:xfrm>
-            <a:off x="612648" y="265176"/>
-            <a:ext cx="8229600" cy="3081528"/>
+            <a:off x="831850" y="1709738"/>
+            <a:ext cx="10515600" cy="2852737"/>
           </a:xfrm>
         </p:spPr>
         <p:txBody>
-          <a:bodyPr anchor="b">
-            <a:normAutofit/>
-          </a:bodyPr>
+          <a:bodyPr anchor="b"/>
           <a:lstStyle>
             <a:lvl1pPr>
-              <a:defRPr sz="5400"/>
+              <a:defRPr sz="6000"/>
             </a:lvl1pPr>
           </a:lstStyle>
           <a:p>
             <a:r>
-              <a:rPr lang="en-US"/>
+              <a:rPr lang="en-US" smtClean="0"/>
               <a:t>Click to edit Master title style</a:t>
             </a:r>
+            <a:endParaRPr lang="en-US"/>
           </a:p>
         </p:txBody>
       </p:sp>
@@ -923,82 +978,110 @@
         </p:nvSpPr>
         <p:spPr>
           <a:xfrm>
-            <a:off x="612648" y="3388268"/>
-            <a:ext cx="8229600" cy="1371600"/>
+            <a:off x="831850" y="4589463"/>
+            <a:ext cx="10515600" cy="1500187"/>
           </a:xfrm>
         </p:spPr>
         <p:txBody>
           <a:bodyPr/>
           <a:lstStyle>
             <a:lvl1pPr marL="0" indent="0">
-              <a:spcBef>
-                <a:spcPts val="1200"/>
-              </a:spcBef>
-              <a:buNone/>
-              <a:defRPr sz="2400"/>
+              <a:buNone/>
+              <a:defRPr sz="2400">
+                <a:solidFill>
+                  <a:schemeClr val="tx1">
+                    <a:tint val="75000"/>
+                  </a:schemeClr>
+                </a:solidFill>
+              </a:defRPr>
             </a:lvl1pPr>
             <a:lvl2pPr marL="457200" indent="0">
               <a:buNone/>
-              <a:defRPr sz="2000"/>
+              <a:defRPr sz="2000">
+                <a:solidFill>
+                  <a:schemeClr val="tx1">
+                    <a:tint val="75000"/>
+                  </a:schemeClr>
+                </a:solidFill>
+              </a:defRPr>
             </a:lvl2pPr>
             <a:lvl3pPr marL="914400" indent="0">
               <a:buNone/>
-              <a:defRPr sz="1800"/>
+              <a:defRPr sz="1800">
+                <a:solidFill>
+                  <a:schemeClr val="tx1">
+                    <a:tint val="75000"/>
+                  </a:schemeClr>
+                </a:solidFill>
+              </a:defRPr>
             </a:lvl3pPr>
             <a:lvl4pPr marL="1371600" indent="0">
               <a:buNone/>
-              <a:defRPr sz="1600"/>
+              <a:defRPr sz="1600">
+                <a:solidFill>
+                  <a:schemeClr val="tx1">
+                    <a:tint val="75000"/>
+                  </a:schemeClr>
+                </a:solidFill>
+              </a:defRPr>
             </a:lvl4pPr>
             <a:lvl5pPr marL="1828800" indent="0">
               <a:buNone/>
-              <a:defRPr sz="1600"/>
+              <a:defRPr sz="1600">
+                <a:solidFill>
+                  <a:schemeClr val="tx1">
+                    <a:tint val="75000"/>
+                  </a:schemeClr>
+                </a:solidFill>
+              </a:defRPr>
             </a:lvl5pPr>
             <a:lvl6pPr marL="2286000" indent="0">
               <a:buNone/>
-              <a:defRPr sz="1600"/>
+              <a:defRPr sz="1600">
+                <a:solidFill>
+                  <a:schemeClr val="tx1">
+                    <a:tint val="75000"/>
+                  </a:schemeClr>
+                </a:solidFill>
+              </a:defRPr>
             </a:lvl6pPr>
             <a:lvl7pPr marL="2743200" indent="0">
               <a:buNone/>
-              <a:defRPr sz="1600"/>
+              <a:defRPr sz="1600">
+                <a:solidFill>
+                  <a:schemeClr val="tx1">
+                    <a:tint val="75000"/>
+                  </a:schemeClr>
+                </a:solidFill>
+              </a:defRPr>
             </a:lvl7pPr>
             <a:lvl8pPr marL="3200400" indent="0">
               <a:buNone/>
-              <a:defRPr sz="1600"/>
+              <a:defRPr sz="1600">
+                <a:solidFill>
+                  <a:schemeClr val="tx1">
+                    <a:tint val="75000"/>
+                  </a:schemeClr>
+                </a:solidFill>
+              </a:defRPr>
             </a:lvl8pPr>
             <a:lvl9pPr marL="3657600" indent="0">
               <a:buNone/>
-              <a:defRPr sz="1600"/>
+              <a:defRPr sz="1600">
+                <a:solidFill>
+                  <a:schemeClr val="tx1">
+                    <a:tint val="75000"/>
+                  </a:schemeClr>
+                </a:solidFill>
+              </a:defRPr>
             </a:lvl9pPr>
           </a:lstStyle>
           <a:p>
             <a:pPr lvl="0"/>
             <a:r>
-              <a:rPr lang="en-US"/>
-              <a:t>Edit Master text styles</a:t>
-            </a:r>
-          </a:p>
-        </p:txBody>
-      </p:sp>
-      <p:sp>
-        <p:nvSpPr>
-          <p:cNvPr id="5" name="Footer Placeholder 4"/>
-          <p:cNvSpPr>
-            <a:spLocks noGrp="1"/>
-          </p:cNvSpPr>
-          <p:nvPr>
-            <p:ph type="ftr" sz="quarter" idx="11"/>
-          </p:nvPr>
-        </p:nvSpPr>
-        <p:spPr/>
-        <p:txBody>
-          <a:bodyPr/>
-          <a:lstStyle/>
-          <a:p>
-            <a:r>
-              <a:rPr lang="en-US"/>
-              <a:t>Add a footer</a:t>
-            </a:r>
-            <a:endParaRPr lang="en-US" dirty="0"/>
+              <a:rPr lang="en-US" smtClean="0"/>
+              <a:t>Click to edit Master text styles</a:t>
+            </a:r>
           </a:p>
         </p:txBody>
       </p:sp>
@@ -1027,6 +1110,29 @@
       </p:sp>
       <p:sp>
         <p:nvSpPr>
+          <p:cNvPr id="5" name="Footer Placeholder 4"/>
+          <p:cNvSpPr>
+            <a:spLocks noGrp="1"/>
+          </p:cNvSpPr>
+          <p:nvPr>
+            <p:ph type="ftr" sz="quarter" idx="11"/>
+          </p:nvPr>
+        </p:nvSpPr>
+        <p:spPr/>
+        <p:txBody>
+          <a:bodyPr/>
+          <a:lstStyle/>
+          <a:p>
+            <a:r>
+              <a:rPr lang="en-US" smtClean="0"/>
+              <a:t>Add a footer</a:t>
+            </a:r>
+            <a:endParaRPr lang="en-US" dirty="0"/>
+          </a:p>
+        </p:txBody>
+      </p:sp>
+      <p:sp>
+        <p:nvSpPr>
           <p:cNvPr id="6" name="Slide Number Placeholder 5"/>
           <p:cNvSpPr>
             <a:spLocks noGrp="1"/>
@@ -1051,7 +1157,7 @@
     </p:spTree>
     <p:extLst>
       <p:ext uri="{BB962C8B-B14F-4D97-AF65-F5344CB8AC3E}">
-        <p14:creationId xmlns:p14="http://schemas.microsoft.com/office/powerpoint/2010/main" val="2780906732"/>
+        <p14:creationId xmlns:p14="http://schemas.microsoft.com/office/powerpoint/2010/main" val="2508297860"/>
       </p:ext>
     </p:extLst>
   </p:cSld>
@@ -1070,6 +1176,13 @@
       </p:transition>
     </mc:Fallback>
   </mc:AlternateContent>
+  <p:timing>
+    <p:tnLst>
+      <p:par>
+        <p:cTn id="1" dur="indefinite" restart="never" nodeType="tmRoot"/>
+      </p:par>
+    </p:tnLst>
+  </p:timing>
 </p:sldLayout>
 </file>
 
@@ -1106,9 +1219,10 @@
           <a:lstStyle/>
           <a:p>
             <a:r>
-              <a:rPr lang="en-US"/>
+              <a:rPr lang="en-US" smtClean="0"/>
               <a:t>Click to edit Master title style</a:t>
             </a:r>
+            <a:endParaRPr lang="en-US"/>
           </a:p>
         </p:txBody>
       </p:sp>
@@ -1124,78 +1238,48 @@
         </p:nvSpPr>
         <p:spPr>
           <a:xfrm>
-            <a:off x="1295401" y="1828800"/>
-            <a:ext cx="4572000" cy="4348163"/>
+            <a:off x="838200" y="1825625"/>
+            <a:ext cx="5181600" cy="4351338"/>
           </a:xfrm>
         </p:spPr>
         <p:txBody>
-          <a:bodyPr>
-            <a:normAutofit/>
-          </a:bodyPr>
-          <a:lstStyle>
-            <a:lvl1pPr>
-              <a:defRPr sz="2000"/>
-            </a:lvl1pPr>
-            <a:lvl2pPr>
-              <a:defRPr sz="1800"/>
-            </a:lvl2pPr>
-            <a:lvl3pPr>
-              <a:defRPr sz="1600"/>
-            </a:lvl3pPr>
-            <a:lvl4pPr>
-              <a:defRPr sz="1400"/>
-            </a:lvl4pPr>
-            <a:lvl5pPr>
-              <a:defRPr sz="1400"/>
-            </a:lvl5pPr>
-            <a:lvl6pPr>
-              <a:defRPr sz="1800"/>
-            </a:lvl6pPr>
-            <a:lvl7pPr>
-              <a:defRPr sz="1800"/>
-            </a:lvl7pPr>
-            <a:lvl8pPr>
-              <a:defRPr sz="1800"/>
-            </a:lvl8pPr>
-            <a:lvl9pPr>
-              <a:defRPr sz="1800"/>
-            </a:lvl9pPr>
-          </a:lstStyle>
+          <a:bodyPr/>
+          <a:lstStyle/>
           <a:p>
             <a:pPr lvl="0"/>
             <a:r>
-              <a:rPr lang="en-US"/>
-              <a:t>Edit Master text styles</a:t>
+              <a:rPr lang="en-US" smtClean="0"/>
+              <a:t>Click to edit Master text styles</a:t>
             </a:r>
           </a:p>
           <a:p>
             <a:pPr lvl="1"/>
             <a:r>
-              <a:rPr lang="en-US"/>
+              <a:rPr lang="en-US" smtClean="0"/>
               <a:t>Second level</a:t>
             </a:r>
           </a:p>
           <a:p>
             <a:pPr lvl="2"/>
             <a:r>
-              <a:rPr lang="en-US"/>
+              <a:rPr lang="en-US" smtClean="0"/>
               <a:t>Third level</a:t>
             </a:r>
           </a:p>
           <a:p>
             <a:pPr lvl="3"/>
             <a:r>
-              <a:rPr lang="en-US"/>
+              <a:rPr lang="en-US" smtClean="0"/>
               <a:t>Fourth level</a:t>
             </a:r>
           </a:p>
           <a:p>
             <a:pPr lvl="4"/>
             <a:r>
-              <a:rPr lang="en-US"/>
+              <a:rPr lang="en-US" smtClean="0"/>
               <a:t>Fifth level</a:t>
             </a:r>
-            <a:endParaRPr lang="en-US" dirty="0"/>
+            <a:endParaRPr lang="en-US"/>
           </a:p>
         </p:txBody>
       </p:sp>
@@ -1211,101 +1295,48 @@
         </p:nvSpPr>
         <p:spPr>
           <a:xfrm>
-            <a:off x="6324599" y="1828800"/>
-            <a:ext cx="4572000" cy="4348163"/>
+            <a:off x="6172200" y="1825625"/>
+            <a:ext cx="5181600" cy="4351338"/>
           </a:xfrm>
         </p:spPr>
         <p:txBody>
-          <a:bodyPr>
-            <a:normAutofit/>
-          </a:bodyPr>
-          <a:lstStyle>
-            <a:lvl1pPr>
-              <a:defRPr sz="2000"/>
-            </a:lvl1pPr>
-            <a:lvl2pPr>
-              <a:defRPr sz="1800"/>
-            </a:lvl2pPr>
-            <a:lvl3pPr>
-              <a:defRPr sz="1600"/>
-            </a:lvl3pPr>
-            <a:lvl4pPr>
-              <a:defRPr sz="1400"/>
-            </a:lvl4pPr>
-            <a:lvl5pPr>
-              <a:defRPr sz="1400"/>
-            </a:lvl5pPr>
-            <a:lvl6pPr>
-              <a:defRPr sz="1800"/>
-            </a:lvl6pPr>
-            <a:lvl7pPr>
-              <a:defRPr sz="1800"/>
-            </a:lvl7pPr>
-            <a:lvl8pPr>
-              <a:defRPr sz="1800"/>
-            </a:lvl8pPr>
-            <a:lvl9pPr>
-              <a:defRPr sz="1800"/>
-            </a:lvl9pPr>
-          </a:lstStyle>
-          <a:p>
-            <a:pPr lvl="0"/>
-            <a:r>
-              <a:rPr lang="en-US"/>
-              <a:t>Edit Master text styles</a:t>
-            </a:r>
-          </a:p>
-          <a:p>
-            <a:pPr lvl="1"/>
-            <a:r>
-              <a:rPr lang="en-US"/>
-              <a:t>Second level</a:t>
-            </a:r>
-          </a:p>
-          <a:p>
-            <a:pPr lvl="2"/>
-            <a:r>
-              <a:rPr lang="en-US"/>
-              <a:t>Third level</a:t>
-            </a:r>
-          </a:p>
-          <a:p>
-            <a:pPr lvl="3"/>
-            <a:r>
-              <a:rPr lang="en-US"/>
-              <a:t>Fourth level</a:t>
-            </a:r>
-          </a:p>
-          <a:p>
-            <a:pPr lvl="4"/>
-            <a:r>
-              <a:rPr lang="en-US"/>
-              <a:t>Fifth level</a:t>
-            </a:r>
-            <a:endParaRPr lang="en-US" dirty="0"/>
-          </a:p>
-        </p:txBody>
-      </p:sp>
-      <p:sp>
-        <p:nvSpPr>
-          <p:cNvPr id="6" name="Footer Placeholder 5"/>
-          <p:cNvSpPr>
-            <a:spLocks noGrp="1"/>
-          </p:cNvSpPr>
-          <p:nvPr>
-            <p:ph type="ftr" sz="quarter" idx="11"/>
-          </p:nvPr>
-        </p:nvSpPr>
-        <p:spPr/>
-        <p:txBody>
           <a:bodyPr/>
           <a:lstStyle/>
           <a:p>
-            <a:r>
-              <a:rPr lang="en-US"/>
-              <a:t>Add a footer</a:t>
-            </a:r>
-            <a:endParaRPr lang="en-US" dirty="0"/>
+            <a:pPr lvl="0"/>
+            <a:r>
+              <a:rPr lang="en-US" smtClean="0"/>
+              <a:t>Click to edit Master text styles</a:t>
+            </a:r>
+          </a:p>
+          <a:p>
+            <a:pPr lvl="1"/>
+            <a:r>
+              <a:rPr lang="en-US" smtClean="0"/>
+              <a:t>Second level</a:t>
+            </a:r>
+          </a:p>
+          <a:p>
+            <a:pPr lvl="2"/>
+            <a:r>
+              <a:rPr lang="en-US" smtClean="0"/>
+              <a:t>Third level</a:t>
+            </a:r>
+          </a:p>
+          <a:p>
+            <a:pPr lvl="3"/>
+            <a:r>
+              <a:rPr lang="en-US" smtClean="0"/>
+              <a:t>Fourth level</a:t>
+            </a:r>
+          </a:p>
+          <a:p>
+            <a:pPr lvl="4"/>
+            <a:r>
+              <a:rPr lang="en-US" smtClean="0"/>
+              <a:t>Fifth level</a:t>
+            </a:r>
+            <a:endParaRPr lang="en-US"/>
           </a:p>
         </p:txBody>
       </p:sp>
@@ -1334,6 +1365,29 @@
       </p:sp>
       <p:sp>
         <p:nvSpPr>
+          <p:cNvPr id="6" name="Footer Placeholder 5"/>
+          <p:cNvSpPr>
+            <a:spLocks noGrp="1"/>
+          </p:cNvSpPr>
+          <p:nvPr>
+            <p:ph type="ftr" sz="quarter" idx="11"/>
+          </p:nvPr>
+        </p:nvSpPr>
+        <p:spPr/>
+        <p:txBody>
+          <a:bodyPr/>
+          <a:lstStyle/>
+          <a:p>
+            <a:r>
+              <a:rPr lang="en-US" smtClean="0"/>
+              <a:t>Add a footer</a:t>
+            </a:r>
+            <a:endParaRPr lang="en-US" dirty="0"/>
+          </a:p>
+        </p:txBody>
+      </p:sp>
+      <p:sp>
+        <p:nvSpPr>
           <p:cNvPr id="7" name="Slide Number Placeholder 6"/>
           <p:cNvSpPr>
             <a:spLocks noGrp="1"/>
@@ -1358,7 +1412,7 @@
     </p:spTree>
     <p:extLst>
       <p:ext uri="{BB962C8B-B14F-4D97-AF65-F5344CB8AC3E}">
-        <p14:creationId xmlns:p14="http://schemas.microsoft.com/office/powerpoint/2010/main" val="1213098872"/>
+        <p14:creationId xmlns:p14="http://schemas.microsoft.com/office/powerpoint/2010/main" val="2586700365"/>
       </p:ext>
     </p:extLst>
   </p:cSld>
@@ -1377,6 +1431,13 @@
       </p:transition>
     </mc:Fallback>
   </mc:AlternateContent>
+  <p:timing>
+    <p:tnLst>
+      <p:par>
+        <p:cTn id="1" dur="indefinite" restart="never" nodeType="tmRoot"/>
+      </p:par>
+    </p:tnLst>
+  </p:timing>
 </p:sldLayout>
 </file>
 
@@ -1407,15 +1468,21 @@
             <p:ph type="title"/>
           </p:nvPr>
         </p:nvSpPr>
-        <p:spPr/>
+        <p:spPr>
+          <a:xfrm>
+            <a:off x="839788" y="365125"/>
+            <a:ext cx="10515600" cy="1325563"/>
+          </a:xfrm>
+        </p:spPr>
         <p:txBody>
           <a:bodyPr/>
           <a:lstStyle/>
           <a:p>
             <a:r>
-              <a:rPr lang="en-US"/>
+              <a:rPr lang="en-US" smtClean="0"/>
               <a:t>Click to edit Master title style</a:t>
             </a:r>
+            <a:endParaRPr lang="en-US"/>
           </a:p>
         </p:txBody>
       </p:sp>
@@ -1431,25 +1498,16 @@
         </p:nvSpPr>
         <p:spPr>
           <a:xfrm>
-            <a:off x="1298448" y="1627258"/>
-            <a:ext cx="4572000" cy="685800"/>
+            <a:off x="839788" y="1681163"/>
+            <a:ext cx="5157787" cy="823912"/>
           </a:xfrm>
         </p:spPr>
         <p:txBody>
-          <a:bodyPr anchor="ctr">
-            <a:normAutofit/>
-          </a:bodyPr>
+          <a:bodyPr anchor="b"/>
           <a:lstStyle>
             <a:lvl1pPr marL="0" indent="0">
-              <a:spcBef>
-                <a:spcPts val="0"/>
-              </a:spcBef>
-              <a:buNone/>
-              <a:defRPr sz="2000" b="0">
-                <a:solidFill>
-                  <a:schemeClr val="accent1"/>
-                </a:solidFill>
-              </a:defRPr>
+              <a:buNone/>
+              <a:defRPr sz="2400" b="1"/>
             </a:lvl1pPr>
             <a:lvl2pPr marL="457200" indent="0">
               <a:buNone/>
@@ -1487,8 +1545,8 @@
           <a:p>
             <a:pPr lvl="0"/>
             <a:r>
-              <a:rPr lang="en-US"/>
-              <a:t>Edit Master text styles</a:t>
+              <a:rPr lang="en-US" smtClean="0"/>
+              <a:t>Click to edit Master text styles</a:t>
             </a:r>
           </a:p>
         </p:txBody>
@@ -1505,78 +1563,48 @@
         </p:nvSpPr>
         <p:spPr>
           <a:xfrm>
-            <a:off x="1298448" y="2373284"/>
-            <a:ext cx="4572000" cy="3840480"/>
+            <a:off x="839788" y="2505075"/>
+            <a:ext cx="5157787" cy="3684588"/>
           </a:xfrm>
         </p:spPr>
         <p:txBody>
-          <a:bodyPr>
-            <a:normAutofit/>
-          </a:bodyPr>
-          <a:lstStyle>
-            <a:lvl1pPr>
-              <a:defRPr sz="2000"/>
-            </a:lvl1pPr>
-            <a:lvl2pPr>
-              <a:defRPr sz="1800"/>
-            </a:lvl2pPr>
-            <a:lvl3pPr>
-              <a:defRPr sz="1600"/>
-            </a:lvl3pPr>
-            <a:lvl4pPr>
-              <a:defRPr sz="1400"/>
-            </a:lvl4pPr>
-            <a:lvl5pPr>
-              <a:defRPr sz="1400"/>
-            </a:lvl5pPr>
-            <a:lvl6pPr>
-              <a:defRPr sz="1600"/>
-            </a:lvl6pPr>
-            <a:lvl7pPr>
-              <a:defRPr sz="1600"/>
-            </a:lvl7pPr>
-            <a:lvl8pPr>
-              <a:defRPr sz="1600"/>
-            </a:lvl8pPr>
-            <a:lvl9pPr>
-              <a:defRPr sz="1600"/>
-            </a:lvl9pPr>
-          </a:lstStyle>
+          <a:bodyPr/>
+          <a:lstStyle/>
           <a:p>
             <a:pPr lvl="0"/>
             <a:r>
-              <a:rPr lang="en-US"/>
-              <a:t>Edit Master text styles</a:t>
+              <a:rPr lang="en-US" smtClean="0"/>
+              <a:t>Click to edit Master text styles</a:t>
             </a:r>
           </a:p>
           <a:p>
             <a:pPr lvl="1"/>
             <a:r>
-              <a:rPr lang="en-US"/>
+              <a:rPr lang="en-US" smtClean="0"/>
               <a:t>Second level</a:t>
             </a:r>
           </a:p>
           <a:p>
             <a:pPr lvl="2"/>
             <a:r>
-              <a:rPr lang="en-US"/>
+              <a:rPr lang="en-US" smtClean="0"/>
               <a:t>Third level</a:t>
             </a:r>
           </a:p>
           <a:p>
             <a:pPr lvl="3"/>
             <a:r>
-              <a:rPr lang="en-US"/>
+              <a:rPr lang="en-US" smtClean="0"/>
               <a:t>Fourth level</a:t>
             </a:r>
           </a:p>
           <a:p>
             <a:pPr lvl="4"/>
             <a:r>
-              <a:rPr lang="en-US"/>
+              <a:rPr lang="en-US" smtClean="0"/>
               <a:t>Fifth level</a:t>
             </a:r>
-            <a:endParaRPr lang="en-US" dirty="0"/>
+            <a:endParaRPr lang="en-US"/>
           </a:p>
         </p:txBody>
       </p:sp>
@@ -1592,25 +1620,16 @@
         </p:nvSpPr>
         <p:spPr>
           <a:xfrm>
-            <a:off x="6327648" y="1627258"/>
-            <a:ext cx="4572000" cy="685800"/>
+            <a:off x="6172200" y="1681163"/>
+            <a:ext cx="5183188" cy="823912"/>
           </a:xfrm>
         </p:spPr>
         <p:txBody>
-          <a:bodyPr anchor="ctr">
-            <a:normAutofit/>
-          </a:bodyPr>
+          <a:bodyPr anchor="b"/>
           <a:lstStyle>
             <a:lvl1pPr marL="0" indent="0">
-              <a:spcBef>
-                <a:spcPts val="0"/>
-              </a:spcBef>
-              <a:buNone/>
-              <a:defRPr sz="2000" b="0">
-                <a:solidFill>
-                  <a:schemeClr val="accent1"/>
-                </a:solidFill>
-              </a:defRPr>
+              <a:buNone/>
+              <a:defRPr sz="2400" b="1"/>
             </a:lvl1pPr>
             <a:lvl2pPr marL="457200" indent="0">
               <a:buNone/>
@@ -1648,8 +1667,8 @@
           <a:p>
             <a:pPr lvl="0"/>
             <a:r>
-              <a:rPr lang="en-US"/>
-              <a:t>Edit Master text styles</a:t>
+              <a:rPr lang="en-US" smtClean="0"/>
+              <a:t>Click to edit Master text styles</a:t>
             </a:r>
           </a:p>
         </p:txBody>
@@ -1666,100 +1685,48 @@
         </p:nvSpPr>
         <p:spPr>
           <a:xfrm>
-            <a:off x="6327648" y="2373284"/>
-            <a:ext cx="4572000" cy="3840480"/>
+            <a:off x="6172200" y="2505075"/>
+            <a:ext cx="5183188" cy="3684588"/>
           </a:xfrm>
         </p:spPr>
         <p:txBody>
-          <a:bodyPr>
-            <a:normAutofit/>
-          </a:bodyPr>
-          <a:lstStyle>
-            <a:lvl1pPr>
-              <a:defRPr sz="2000"/>
-            </a:lvl1pPr>
-            <a:lvl2pPr>
-              <a:defRPr sz="1800"/>
-            </a:lvl2pPr>
-            <a:lvl3pPr>
-              <a:defRPr sz="1600"/>
-            </a:lvl3pPr>
-            <a:lvl4pPr>
-              <a:defRPr sz="1400"/>
-            </a:lvl4pPr>
-            <a:lvl5pPr>
-              <a:defRPr sz="1400"/>
-            </a:lvl5pPr>
-            <a:lvl6pPr>
-              <a:defRPr sz="1600"/>
-            </a:lvl6pPr>
-            <a:lvl7pPr>
-              <a:defRPr sz="1600"/>
-            </a:lvl7pPr>
-            <a:lvl8pPr>
-              <a:defRPr sz="1600"/>
-            </a:lvl8pPr>
-            <a:lvl9pPr>
-              <a:defRPr sz="1600"/>
-            </a:lvl9pPr>
-          </a:lstStyle>
-          <a:p>
-            <a:pPr lvl="0"/>
-            <a:r>
-              <a:rPr lang="en-US"/>
-              <a:t>Edit Master text styles</a:t>
-            </a:r>
-          </a:p>
-          <a:p>
-            <a:pPr lvl="1"/>
-            <a:r>
-              <a:rPr lang="en-US"/>
-              <a:t>Second level</a:t>
-            </a:r>
-          </a:p>
-          <a:p>
-            <a:pPr lvl="2"/>
-            <a:r>
-              <a:rPr lang="en-US"/>
-              <a:t>Third level</a:t>
-            </a:r>
-          </a:p>
-          <a:p>
-            <a:pPr lvl="3"/>
-            <a:r>
-              <a:rPr lang="en-US"/>
-              <a:t>Fourth level</a:t>
-            </a:r>
-          </a:p>
-          <a:p>
-            <a:pPr lvl="4"/>
-            <a:r>
-              <a:rPr lang="en-US"/>
-              <a:t>Fifth level</a:t>
-            </a:r>
-          </a:p>
-        </p:txBody>
-      </p:sp>
-      <p:sp>
-        <p:nvSpPr>
-          <p:cNvPr id="8" name="Footer Placeholder 7"/>
-          <p:cNvSpPr>
-            <a:spLocks noGrp="1"/>
-          </p:cNvSpPr>
-          <p:nvPr>
-            <p:ph type="ftr" sz="quarter" idx="11"/>
-          </p:nvPr>
-        </p:nvSpPr>
-        <p:spPr/>
-        <p:txBody>
           <a:bodyPr/>
           <a:lstStyle/>
           <a:p>
-            <a:r>
-              <a:rPr lang="en-US"/>
-              <a:t>Add a footer</a:t>
-            </a:r>
-            <a:endParaRPr lang="en-US" dirty="0"/>
+            <a:pPr lvl="0"/>
+            <a:r>
+              <a:rPr lang="en-US" smtClean="0"/>
+              <a:t>Click to edit Master text styles</a:t>
+            </a:r>
+          </a:p>
+          <a:p>
+            <a:pPr lvl="1"/>
+            <a:r>
+              <a:rPr lang="en-US" smtClean="0"/>
+              <a:t>Second level</a:t>
+            </a:r>
+          </a:p>
+          <a:p>
+            <a:pPr lvl="2"/>
+            <a:r>
+              <a:rPr lang="en-US" smtClean="0"/>
+              <a:t>Third level</a:t>
+            </a:r>
+          </a:p>
+          <a:p>
+            <a:pPr lvl="3"/>
+            <a:r>
+              <a:rPr lang="en-US" smtClean="0"/>
+              <a:t>Fourth level</a:t>
+            </a:r>
+          </a:p>
+          <a:p>
+            <a:pPr lvl="4"/>
+            <a:r>
+              <a:rPr lang="en-US" smtClean="0"/>
+              <a:t>Fifth level</a:t>
+            </a:r>
+            <a:endParaRPr lang="en-US"/>
           </a:p>
         </p:txBody>
       </p:sp>
@@ -1788,6 +1755,29 @@
       </p:sp>
       <p:sp>
         <p:nvSpPr>
+          <p:cNvPr id="8" name="Footer Placeholder 7"/>
+          <p:cNvSpPr>
+            <a:spLocks noGrp="1"/>
+          </p:cNvSpPr>
+          <p:nvPr>
+            <p:ph type="ftr" sz="quarter" idx="11"/>
+          </p:nvPr>
+        </p:nvSpPr>
+        <p:spPr/>
+        <p:txBody>
+          <a:bodyPr/>
+          <a:lstStyle/>
+          <a:p>
+            <a:r>
+              <a:rPr lang="en-US" smtClean="0"/>
+              <a:t>Add a footer</a:t>
+            </a:r>
+            <a:endParaRPr lang="en-US" dirty="0"/>
+          </a:p>
+        </p:txBody>
+      </p:sp>
+      <p:sp>
+        <p:nvSpPr>
           <p:cNvPr id="9" name="Slide Number Placeholder 8"/>
           <p:cNvSpPr>
             <a:spLocks noGrp="1"/>
@@ -1812,7 +1802,7 @@
     </p:spTree>
     <p:extLst>
       <p:ext uri="{BB962C8B-B14F-4D97-AF65-F5344CB8AC3E}">
-        <p14:creationId xmlns:p14="http://schemas.microsoft.com/office/powerpoint/2010/main" val="3706895659"/>
+        <p14:creationId xmlns:p14="http://schemas.microsoft.com/office/powerpoint/2010/main" val="3141075464"/>
       </p:ext>
     </p:extLst>
   </p:cSld>
@@ -1831,6 +1821,13 @@
       </p:transition>
     </mc:Fallback>
   </mc:AlternateContent>
+  <p:timing>
+    <p:tnLst>
+      <p:par>
+        <p:cTn id="1" dur="indefinite" restart="never" nodeType="tmRoot"/>
+      </p:par>
+    </p:tnLst>
+  </p:timing>
 </p:sldLayout>
 </file>
 
@@ -1867,32 +1864,10 @@
           <a:lstStyle/>
           <a:p>
             <a:r>
-              <a:rPr lang="en-US"/>
+              <a:rPr lang="en-US" smtClean="0"/>
               <a:t>Click to edit Master title style</a:t>
             </a:r>
-          </a:p>
-        </p:txBody>
-      </p:sp>
-      <p:sp>
-        <p:nvSpPr>
-          <p:cNvPr id="4" name="Footer Placeholder 3"/>
-          <p:cNvSpPr>
-            <a:spLocks noGrp="1"/>
-          </p:cNvSpPr>
-          <p:nvPr>
-            <p:ph type="ftr" sz="quarter" idx="11"/>
-          </p:nvPr>
-        </p:nvSpPr>
-        <p:spPr/>
-        <p:txBody>
-          <a:bodyPr/>
-          <a:lstStyle/>
-          <a:p>
-            <a:r>
-              <a:rPr lang="en-US"/>
-              <a:t>Add a footer</a:t>
-            </a:r>
-            <a:endParaRPr lang="en-US" dirty="0"/>
+            <a:endParaRPr lang="en-US"/>
           </a:p>
         </p:txBody>
       </p:sp>
@@ -1921,6 +1896,29 @@
       </p:sp>
       <p:sp>
         <p:nvSpPr>
+          <p:cNvPr id="4" name="Footer Placeholder 3"/>
+          <p:cNvSpPr>
+            <a:spLocks noGrp="1"/>
+          </p:cNvSpPr>
+          <p:nvPr>
+            <p:ph type="ftr" sz="quarter" idx="11"/>
+          </p:nvPr>
+        </p:nvSpPr>
+        <p:spPr/>
+        <p:txBody>
+          <a:bodyPr/>
+          <a:lstStyle/>
+          <a:p>
+            <a:r>
+              <a:rPr lang="en-US" smtClean="0"/>
+              <a:t>Add a footer</a:t>
+            </a:r>
+            <a:endParaRPr lang="en-US" dirty="0"/>
+          </a:p>
+        </p:txBody>
+      </p:sp>
+      <p:sp>
+        <p:nvSpPr>
           <p:cNvPr id="5" name="Slide Number Placeholder 4"/>
           <p:cNvSpPr>
             <a:spLocks noGrp="1"/>
@@ -1945,7 +1943,7 @@
     </p:spTree>
     <p:extLst>
       <p:ext uri="{BB962C8B-B14F-4D97-AF65-F5344CB8AC3E}">
-        <p14:creationId xmlns:p14="http://schemas.microsoft.com/office/powerpoint/2010/main" val="963423472"/>
+        <p14:creationId xmlns:p14="http://schemas.microsoft.com/office/powerpoint/2010/main" val="4008391816"/>
       </p:ext>
     </p:extLst>
   </p:cSld>
@@ -1964,26 +1962,19 @@
       </p:transition>
     </mc:Fallback>
   </mc:AlternateContent>
+  <p:timing>
+    <p:tnLst>
+      <p:par>
+        <p:cTn id="1" dur="indefinite" restart="never" nodeType="tmRoot"/>
+      </p:par>
+    </p:tnLst>
+  </p:timing>
 </p:sldLayout>
 </file>
 
 <file path=ppt/slideLayouts/slideLayout7.xml><?xml version="1.0" encoding="utf-8"?>
 <p:sldLayout xmlns:a="http://schemas.openxmlformats.org/drawingml/2006/main" xmlns:r="http://schemas.openxmlformats.org/officeDocument/2006/relationships" xmlns:p="http://schemas.openxmlformats.org/presentationml/2006/main" type="blank" preserve="1">
   <p:cSld name="Blank">
-    <p:bg>
-      <p:bgPr>
-        <a:blipFill dpi="0" rotWithShape="1">
-          <a:blip r:embed="rId2">
-            <a:lum/>
-          </a:blip>
-          <a:srcRect/>
-          <a:stretch>
-            <a:fillRect/>
-          </a:stretch>
-        </a:blipFill>
-        <a:effectLst/>
-      </p:bgPr>
-    </p:bg>
     <p:spTree>
       <p:nvGrpSpPr>
         <p:cNvPr id="1" name=""/>
@@ -2000,29 +1991,6 @@
       </p:grpSpPr>
       <p:sp>
         <p:nvSpPr>
-          <p:cNvPr id="3" name="Footer Placeholder 2"/>
-          <p:cNvSpPr>
-            <a:spLocks noGrp="1"/>
-          </p:cNvSpPr>
-          <p:nvPr>
-            <p:ph type="ftr" sz="quarter" idx="11"/>
-          </p:nvPr>
-        </p:nvSpPr>
-        <p:spPr/>
-        <p:txBody>
-          <a:bodyPr/>
-          <a:lstStyle/>
-          <a:p>
-            <a:r>
-              <a:rPr lang="en-US"/>
-              <a:t>Add a footer</a:t>
-            </a:r>
-            <a:endParaRPr lang="en-US" dirty="0"/>
-          </a:p>
-        </p:txBody>
-      </p:sp>
-      <p:sp>
-        <p:nvSpPr>
           <p:cNvPr id="2" name="Date Placeholder 1"/>
           <p:cNvSpPr>
             <a:spLocks noGrp="1"/>
@@ -2046,6 +2014,29 @@
       </p:sp>
       <p:sp>
         <p:nvSpPr>
+          <p:cNvPr id="3" name="Footer Placeholder 2"/>
+          <p:cNvSpPr>
+            <a:spLocks noGrp="1"/>
+          </p:cNvSpPr>
+          <p:nvPr>
+            <p:ph type="ftr" sz="quarter" idx="11"/>
+          </p:nvPr>
+        </p:nvSpPr>
+        <p:spPr/>
+        <p:txBody>
+          <a:bodyPr/>
+          <a:lstStyle/>
+          <a:p>
+            <a:r>
+              <a:rPr lang="en-US" smtClean="0"/>
+              <a:t>Add a footer</a:t>
+            </a:r>
+            <a:endParaRPr lang="en-US" dirty="0"/>
+          </a:p>
+        </p:txBody>
+      </p:sp>
+      <p:sp>
+        <p:nvSpPr>
           <p:cNvPr id="4" name="Slide Number Placeholder 3"/>
           <p:cNvSpPr>
             <a:spLocks noGrp="1"/>
@@ -2070,7 +2061,7 @@
     </p:spTree>
     <p:extLst>
       <p:ext uri="{BB962C8B-B14F-4D97-AF65-F5344CB8AC3E}">
-        <p14:creationId xmlns:p14="http://schemas.microsoft.com/office/powerpoint/2010/main" val="4047983769"/>
+        <p14:creationId xmlns:p14="http://schemas.microsoft.com/office/powerpoint/2010/main" val="1839015459"/>
       </p:ext>
     </p:extLst>
   </p:cSld>
@@ -2089,26 +2080,19 @@
       </p:transition>
     </mc:Fallback>
   </mc:AlternateContent>
+  <p:timing>
+    <p:tnLst>
+      <p:par>
+        <p:cTn id="1" dur="indefinite" restart="never" nodeType="tmRoot"/>
+      </p:par>
+    </p:tnLst>
+  </p:timing>
 </p:sldLayout>
 </file>
 
 <file path=ppt/slideLayouts/slideLayout8.xml><?xml version="1.0" encoding="utf-8"?>
 <p:sldLayout xmlns:a="http://schemas.openxmlformats.org/drawingml/2006/main" xmlns:r="http://schemas.openxmlformats.org/officeDocument/2006/relationships" xmlns:p="http://schemas.openxmlformats.org/presentationml/2006/main" type="objTx" preserve="1">
   <p:cSld name="Content with Caption">
-    <p:bg>
-      <p:bgPr>
-        <a:blipFill dpi="0" rotWithShape="1">
-          <a:blip r:embed="rId2">
-            <a:lum/>
-          </a:blip>
-          <a:srcRect/>
-          <a:stretch>
-            <a:fillRect/>
-          </a:stretch>
-        </a:blipFill>
-        <a:effectLst/>
-      </p:bgPr>
-    </p:bg>
     <p:spTree>
       <p:nvGrpSpPr>
         <p:cNvPr id="1" name=""/>
@@ -2123,6 +2107,257 @@
           <a:chExt cx="0" cy="0"/>
         </a:xfrm>
       </p:grpSpPr>
+      <p:sp>
+        <p:nvSpPr>
+          <p:cNvPr id="2" name="Title 1"/>
+          <p:cNvSpPr>
+            <a:spLocks noGrp="1"/>
+          </p:cNvSpPr>
+          <p:nvPr>
+            <p:ph type="title"/>
+          </p:nvPr>
+        </p:nvSpPr>
+        <p:spPr>
+          <a:xfrm>
+            <a:off x="839788" y="457200"/>
+            <a:ext cx="3932237" cy="1600200"/>
+          </a:xfrm>
+        </p:spPr>
+        <p:txBody>
+          <a:bodyPr anchor="b"/>
+          <a:lstStyle>
+            <a:lvl1pPr>
+              <a:defRPr sz="3200"/>
+            </a:lvl1pPr>
+          </a:lstStyle>
+          <a:p>
+            <a:r>
+              <a:rPr lang="en-US" smtClean="0"/>
+              <a:t>Click to edit Master title style</a:t>
+            </a:r>
+            <a:endParaRPr lang="en-US"/>
+          </a:p>
+        </p:txBody>
+      </p:sp>
+      <p:sp>
+        <p:nvSpPr>
+          <p:cNvPr id="3" name="Content Placeholder 2"/>
+          <p:cNvSpPr>
+            <a:spLocks noGrp="1"/>
+          </p:cNvSpPr>
+          <p:nvPr>
+            <p:ph idx="1"/>
+          </p:nvPr>
+        </p:nvSpPr>
+        <p:spPr>
+          <a:xfrm>
+            <a:off x="5183188" y="987425"/>
+            <a:ext cx="6172200" cy="4873625"/>
+          </a:xfrm>
+        </p:spPr>
+        <p:txBody>
+          <a:bodyPr/>
+          <a:lstStyle>
+            <a:lvl1pPr>
+              <a:defRPr sz="3200"/>
+            </a:lvl1pPr>
+            <a:lvl2pPr>
+              <a:defRPr sz="2800"/>
+            </a:lvl2pPr>
+            <a:lvl3pPr>
+              <a:defRPr sz="2400"/>
+            </a:lvl3pPr>
+            <a:lvl4pPr>
+              <a:defRPr sz="2000"/>
+            </a:lvl4pPr>
+            <a:lvl5pPr>
+              <a:defRPr sz="2000"/>
+            </a:lvl5pPr>
+            <a:lvl6pPr>
+              <a:defRPr sz="2000"/>
+            </a:lvl6pPr>
+            <a:lvl7pPr>
+              <a:defRPr sz="2000"/>
+            </a:lvl7pPr>
+            <a:lvl8pPr>
+              <a:defRPr sz="2000"/>
+            </a:lvl8pPr>
+            <a:lvl9pPr>
+              <a:defRPr sz="2000"/>
+            </a:lvl9pPr>
+          </a:lstStyle>
+          <a:p>
+            <a:pPr lvl="0"/>
+            <a:r>
+              <a:rPr lang="en-US" smtClean="0"/>
+              <a:t>Click to edit Master text styles</a:t>
+            </a:r>
+          </a:p>
+          <a:p>
+            <a:pPr lvl="1"/>
+            <a:r>
+              <a:rPr lang="en-US" smtClean="0"/>
+              <a:t>Second level</a:t>
+            </a:r>
+          </a:p>
+          <a:p>
+            <a:pPr lvl="2"/>
+            <a:r>
+              <a:rPr lang="en-US" smtClean="0"/>
+              <a:t>Third level</a:t>
+            </a:r>
+          </a:p>
+          <a:p>
+            <a:pPr lvl="3"/>
+            <a:r>
+              <a:rPr lang="en-US" smtClean="0"/>
+              <a:t>Fourth level</a:t>
+            </a:r>
+          </a:p>
+          <a:p>
+            <a:pPr lvl="4"/>
+            <a:r>
+              <a:rPr lang="en-US" smtClean="0"/>
+              <a:t>Fifth level</a:t>
+            </a:r>
+            <a:endParaRPr lang="en-US"/>
+          </a:p>
+        </p:txBody>
+      </p:sp>
+      <p:sp>
+        <p:nvSpPr>
+          <p:cNvPr id="4" name="Text Placeholder 3"/>
+          <p:cNvSpPr>
+            <a:spLocks noGrp="1"/>
+          </p:cNvSpPr>
+          <p:nvPr>
+            <p:ph type="body" sz="half" idx="2"/>
+          </p:nvPr>
+        </p:nvSpPr>
+        <p:spPr>
+          <a:xfrm>
+            <a:off x="839788" y="2057400"/>
+            <a:ext cx="3932237" cy="3811588"/>
+          </a:xfrm>
+        </p:spPr>
+        <p:txBody>
+          <a:bodyPr/>
+          <a:lstStyle>
+            <a:lvl1pPr marL="0" indent="0">
+              <a:buNone/>
+              <a:defRPr sz="1600"/>
+            </a:lvl1pPr>
+            <a:lvl2pPr marL="457200" indent="0">
+              <a:buNone/>
+              <a:defRPr sz="1400"/>
+            </a:lvl2pPr>
+            <a:lvl3pPr marL="914400" indent="0">
+              <a:buNone/>
+              <a:defRPr sz="1200"/>
+            </a:lvl3pPr>
+            <a:lvl4pPr marL="1371600" indent="0">
+              <a:buNone/>
+              <a:defRPr sz="1000"/>
+            </a:lvl4pPr>
+            <a:lvl5pPr marL="1828800" indent="0">
+              <a:buNone/>
+              <a:defRPr sz="1000"/>
+            </a:lvl5pPr>
+            <a:lvl6pPr marL="2286000" indent="0">
+              <a:buNone/>
+              <a:defRPr sz="1000"/>
+            </a:lvl6pPr>
+            <a:lvl7pPr marL="2743200" indent="0">
+              <a:buNone/>
+              <a:defRPr sz="1000"/>
+            </a:lvl7pPr>
+            <a:lvl8pPr marL="3200400" indent="0">
+              <a:buNone/>
+              <a:defRPr sz="1000"/>
+            </a:lvl8pPr>
+            <a:lvl9pPr marL="3657600" indent="0">
+              <a:buNone/>
+              <a:defRPr sz="1000"/>
+            </a:lvl9pPr>
+          </a:lstStyle>
+          <a:p>
+            <a:pPr lvl="0"/>
+            <a:r>
+              <a:rPr lang="en-US" smtClean="0"/>
+              <a:t>Click to edit Master text styles</a:t>
+            </a:r>
+          </a:p>
+        </p:txBody>
+      </p:sp>
+      <p:sp>
+        <p:nvSpPr>
+          <p:cNvPr id="5" name="Date Placeholder 4"/>
+          <p:cNvSpPr>
+            <a:spLocks noGrp="1"/>
+          </p:cNvSpPr>
+          <p:nvPr>
+            <p:ph type="dt" sz="half" idx="10"/>
+          </p:nvPr>
+        </p:nvSpPr>
+        <p:spPr/>
+        <p:txBody>
+          <a:bodyPr/>
+          <a:lstStyle/>
+          <a:p>
+            <a:fld id="{E32B96DC-D1E7-4668-A471-A46ECA2AE34F}" type="datetime1">
+              <a:rPr lang="en-US" smtClean="0"/>
+              <a:t>10/24/2017</a:t>
+            </a:fld>
+            <a:endParaRPr lang="en-US" dirty="0"/>
+          </a:p>
+        </p:txBody>
+      </p:sp>
+      <p:sp>
+        <p:nvSpPr>
+          <p:cNvPr id="6" name="Footer Placeholder 5"/>
+          <p:cNvSpPr>
+            <a:spLocks noGrp="1"/>
+          </p:cNvSpPr>
+          <p:nvPr>
+            <p:ph type="ftr" sz="quarter" idx="11"/>
+          </p:nvPr>
+        </p:nvSpPr>
+        <p:spPr/>
+        <p:txBody>
+          <a:bodyPr/>
+          <a:lstStyle/>
+          <a:p>
+            <a:r>
+              <a:rPr lang="en-US" smtClean="0"/>
+              <a:t>Add a footer</a:t>
+            </a:r>
+            <a:endParaRPr lang="en-US" dirty="0"/>
+          </a:p>
+        </p:txBody>
+      </p:sp>
+      <p:sp>
+        <p:nvSpPr>
+          <p:cNvPr id="7" name="Slide Number Placeholder 6"/>
+          <p:cNvSpPr>
+            <a:spLocks noGrp="1"/>
+          </p:cNvSpPr>
+          <p:nvPr>
+            <p:ph type="sldNum" sz="quarter" idx="12"/>
+          </p:nvPr>
+        </p:nvSpPr>
+        <p:spPr/>
+        <p:txBody>
+          <a:bodyPr/>
+          <a:lstStyle/>
+          <a:p>
+            <a:fld id="{E31375A4-56A4-47D6-9801-1991572033F7}" type="slidenum">
+              <a:rPr lang="en-US" smtClean="0"/>
+              <a:t>‹#›</a:t>
+            </a:fld>
+            <a:endParaRPr lang="en-US" dirty="0"/>
+          </a:p>
+        </p:txBody>
+      </p:sp>
       <p:sp>
         <p:nvSpPr>
           <p:cNvPr id="8" name="Rectangle 7"/>
@@ -2169,266 +2404,10 @@
           </a:p>
         </p:txBody>
       </p:sp>
-      <p:sp>
-        <p:nvSpPr>
-          <p:cNvPr id="2" name="Title 1"/>
-          <p:cNvSpPr>
-            <a:spLocks noGrp="1"/>
-          </p:cNvSpPr>
-          <p:nvPr>
-            <p:ph type="title"/>
-          </p:nvPr>
-        </p:nvSpPr>
-        <p:spPr>
-          <a:xfrm>
-            <a:off x="7979330" y="457200"/>
-            <a:ext cx="3603070" cy="1554480"/>
-          </a:xfrm>
-        </p:spPr>
-        <p:txBody>
-          <a:bodyPr anchor="b"/>
-          <a:lstStyle>
-            <a:lvl1pPr>
-              <a:defRPr sz="3200"/>
-            </a:lvl1pPr>
-          </a:lstStyle>
-          <a:p>
-            <a:r>
-              <a:rPr lang="en-US"/>
-              <a:t>Click to edit Master title style</a:t>
-            </a:r>
-            <a:endParaRPr lang="en-US" dirty="0"/>
-          </a:p>
-        </p:txBody>
-      </p:sp>
-      <p:sp>
-        <p:nvSpPr>
-          <p:cNvPr id="3" name="Content Placeholder 2"/>
-          <p:cNvSpPr>
-            <a:spLocks noGrp="1"/>
-          </p:cNvSpPr>
-          <p:nvPr>
-            <p:ph idx="1"/>
-          </p:nvPr>
-        </p:nvSpPr>
-        <p:spPr>
-          <a:xfrm>
-            <a:off x="606490" y="685800"/>
-            <a:ext cx="6102220" cy="5486400"/>
-          </a:xfrm>
-        </p:spPr>
-        <p:txBody>
-          <a:bodyPr>
-            <a:normAutofit/>
-          </a:bodyPr>
-          <a:lstStyle>
-            <a:lvl1pPr>
-              <a:defRPr sz="2000"/>
-            </a:lvl1pPr>
-            <a:lvl2pPr>
-              <a:defRPr sz="1800"/>
-            </a:lvl2pPr>
-            <a:lvl3pPr>
-              <a:defRPr sz="1600"/>
-            </a:lvl3pPr>
-            <a:lvl4pPr>
-              <a:defRPr sz="1400"/>
-            </a:lvl4pPr>
-            <a:lvl5pPr>
-              <a:defRPr sz="1400"/>
-            </a:lvl5pPr>
-            <a:lvl6pPr>
-              <a:defRPr sz="2000"/>
-            </a:lvl6pPr>
-            <a:lvl7pPr>
-              <a:defRPr sz="2000"/>
-            </a:lvl7pPr>
-            <a:lvl8pPr>
-              <a:defRPr sz="2000"/>
-            </a:lvl8pPr>
-            <a:lvl9pPr>
-              <a:defRPr sz="2000"/>
-            </a:lvl9pPr>
-          </a:lstStyle>
-          <a:p>
-            <a:pPr lvl="0"/>
-            <a:r>
-              <a:rPr lang="en-US"/>
-              <a:t>Edit Master text styles</a:t>
-            </a:r>
-          </a:p>
-          <a:p>
-            <a:pPr lvl="1"/>
-            <a:r>
-              <a:rPr lang="en-US"/>
-              <a:t>Second level</a:t>
-            </a:r>
-          </a:p>
-          <a:p>
-            <a:pPr lvl="2"/>
-            <a:r>
-              <a:rPr lang="en-US"/>
-              <a:t>Third level</a:t>
-            </a:r>
-          </a:p>
-          <a:p>
-            <a:pPr lvl="3"/>
-            <a:r>
-              <a:rPr lang="en-US"/>
-              <a:t>Fourth level</a:t>
-            </a:r>
-          </a:p>
-          <a:p>
-            <a:pPr lvl="4"/>
-            <a:r>
-              <a:rPr lang="en-US"/>
-              <a:t>Fifth level</a:t>
-            </a:r>
-            <a:endParaRPr lang="en-US" dirty="0"/>
-          </a:p>
-        </p:txBody>
-      </p:sp>
-      <p:sp>
-        <p:nvSpPr>
-          <p:cNvPr id="4" name="Text Placeholder 3"/>
-          <p:cNvSpPr>
-            <a:spLocks noGrp="1"/>
-          </p:cNvSpPr>
-          <p:nvPr>
-            <p:ph type="body" sz="half" idx="2"/>
-          </p:nvPr>
-        </p:nvSpPr>
-        <p:spPr>
-          <a:xfrm>
-            <a:off x="7979330" y="2101850"/>
-            <a:ext cx="3603070" cy="1828800"/>
-          </a:xfrm>
-        </p:spPr>
-        <p:txBody>
-          <a:bodyPr/>
-          <a:lstStyle>
-            <a:lvl1pPr marL="0" indent="0">
-              <a:spcBef>
-                <a:spcPts val="1200"/>
-              </a:spcBef>
-              <a:buNone/>
-              <a:defRPr sz="1600"/>
-            </a:lvl1pPr>
-            <a:lvl2pPr marL="457200" indent="0">
-              <a:buNone/>
-              <a:defRPr sz="1400"/>
-            </a:lvl2pPr>
-            <a:lvl3pPr marL="914400" indent="0">
-              <a:buNone/>
-              <a:defRPr sz="1200"/>
-            </a:lvl3pPr>
-            <a:lvl4pPr marL="1371600" indent="0">
-              <a:buNone/>
-              <a:defRPr sz="1000"/>
-            </a:lvl4pPr>
-            <a:lvl5pPr marL="1828800" indent="0">
-              <a:buNone/>
-              <a:defRPr sz="1000"/>
-            </a:lvl5pPr>
-            <a:lvl6pPr marL="2286000" indent="0">
-              <a:buNone/>
-              <a:defRPr sz="1000"/>
-            </a:lvl6pPr>
-            <a:lvl7pPr marL="2743200" indent="0">
-              <a:buNone/>
-              <a:defRPr sz="1000"/>
-            </a:lvl7pPr>
-            <a:lvl8pPr marL="3200400" indent="0">
-              <a:buNone/>
-              <a:defRPr sz="1000"/>
-            </a:lvl8pPr>
-            <a:lvl9pPr marL="3657600" indent="0">
-              <a:buNone/>
-              <a:defRPr sz="1000"/>
-            </a:lvl9pPr>
-          </a:lstStyle>
-          <a:p>
-            <a:pPr lvl="0"/>
-            <a:r>
-              <a:rPr lang="en-US"/>
-              <a:t>Edit Master text styles</a:t>
-            </a:r>
-          </a:p>
-        </p:txBody>
-      </p:sp>
-      <p:sp>
-        <p:nvSpPr>
-          <p:cNvPr id="6" name="Footer Placeholder 5"/>
-          <p:cNvSpPr>
-            <a:spLocks noGrp="1"/>
-          </p:cNvSpPr>
-          <p:nvPr>
-            <p:ph type="ftr" sz="quarter" idx="11"/>
-          </p:nvPr>
-        </p:nvSpPr>
-        <p:spPr/>
-        <p:txBody>
-          <a:bodyPr/>
-          <a:lstStyle/>
-          <a:p>
-            <a:r>
-              <a:rPr lang="en-US"/>
-              <a:t>Add a footer</a:t>
-            </a:r>
-            <a:endParaRPr lang="en-US" dirty="0"/>
-          </a:p>
-        </p:txBody>
-      </p:sp>
-      <p:sp>
-        <p:nvSpPr>
-          <p:cNvPr id="5" name="Date Placeholder 4"/>
-          <p:cNvSpPr>
-            <a:spLocks noGrp="1"/>
-          </p:cNvSpPr>
-          <p:nvPr>
-            <p:ph type="dt" sz="half" idx="10"/>
-          </p:nvPr>
-        </p:nvSpPr>
-        <p:spPr/>
-        <p:txBody>
-          <a:bodyPr/>
-          <a:lstStyle/>
-          <a:p>
-            <a:fld id="{E32B96DC-D1E7-4668-A471-A46ECA2AE34F}" type="datetime1">
-              <a:rPr lang="en-US" smtClean="0"/>
-              <a:t>10/24/2017</a:t>
-            </a:fld>
-            <a:endParaRPr lang="en-US" dirty="0"/>
-          </a:p>
-        </p:txBody>
-      </p:sp>
-      <p:sp>
-        <p:nvSpPr>
-          <p:cNvPr id="7" name="Slide Number Placeholder 6"/>
-          <p:cNvSpPr>
-            <a:spLocks noGrp="1"/>
-          </p:cNvSpPr>
-          <p:nvPr>
-            <p:ph type="sldNum" sz="quarter" idx="12"/>
-          </p:nvPr>
-        </p:nvSpPr>
-        <p:spPr/>
-        <p:txBody>
-          <a:bodyPr/>
-          <a:lstStyle/>
-          <a:p>
-            <a:fld id="{E31375A4-56A4-47D6-9801-1991572033F7}" type="slidenum">
-              <a:rPr lang="en-US" smtClean="0"/>
-              <a:t>‹#›</a:t>
-            </a:fld>
-            <a:endParaRPr lang="en-US" dirty="0"/>
-          </a:p>
-        </p:txBody>
-      </p:sp>
     </p:spTree>
     <p:extLst>
       <p:ext uri="{BB962C8B-B14F-4D97-AF65-F5344CB8AC3E}">
-        <p14:creationId xmlns:p14="http://schemas.microsoft.com/office/powerpoint/2010/main" val="3145300936"/>
+        <p14:creationId xmlns:p14="http://schemas.microsoft.com/office/powerpoint/2010/main" val="4141942215"/>
       </p:ext>
     </p:extLst>
   </p:cSld>
@@ -2447,26 +2426,19 @@
       </p:transition>
     </mc:Fallback>
   </mc:AlternateContent>
+  <p:timing>
+    <p:tnLst>
+      <p:par>
+        <p:cTn id="1" dur="indefinite" restart="never" nodeType="tmRoot"/>
+      </p:par>
+    </p:tnLst>
+  </p:timing>
 </p:sldLayout>
 </file>
 
 <file path=ppt/slideLayouts/slideLayout9.xml><?xml version="1.0" encoding="utf-8"?>
 <p:sldLayout xmlns:a="http://schemas.openxmlformats.org/drawingml/2006/main" xmlns:r="http://schemas.openxmlformats.org/officeDocument/2006/relationships" xmlns:p="http://schemas.openxmlformats.org/presentationml/2006/main" type="picTx" preserve="1">
   <p:cSld name="Picture with Caption">
-    <p:bg>
-      <p:bgPr>
-        <a:blipFill dpi="0" rotWithShape="1">
-          <a:blip r:embed="rId2">
-            <a:lum/>
-          </a:blip>
-          <a:srcRect/>
-          <a:stretch>
-            <a:fillRect/>
-          </a:stretch>
-        </a:blipFill>
-        <a:effectLst/>
-      </p:bgPr>
-    </p:bg>
     <p:spTree>
       <p:nvGrpSpPr>
         <p:cNvPr id="1" name=""/>
@@ -2483,52 +2455,6 @@
       </p:grpSpPr>
       <p:sp>
         <p:nvSpPr>
-          <p:cNvPr id="8" name="Rectangle 7"/>
-          <p:cNvSpPr/>
-          <p:nvPr/>
-        </p:nvSpPr>
-        <p:spPr bwMode="hidden">
-          <a:xfrm>
-            <a:off x="0" y="0"/>
-            <a:ext cx="7315200" cy="6858000"/>
-          </a:xfrm>
-          <a:prstGeom prst="rect">
-            <a:avLst/>
-          </a:prstGeom>
-          <a:solidFill>
-            <a:schemeClr val="bg1"/>
-          </a:solidFill>
-          <a:ln>
-            <a:noFill/>
-          </a:ln>
-        </p:spPr>
-        <p:style>
-          <a:lnRef idx="2">
-            <a:schemeClr val="accent1">
-              <a:shade val="50000"/>
-            </a:schemeClr>
-          </a:lnRef>
-          <a:fillRef idx="1">
-            <a:schemeClr val="accent1"/>
-          </a:fillRef>
-          <a:effectRef idx="0">
-            <a:schemeClr val="accent1"/>
-          </a:effectRef>
-          <a:fontRef idx="minor">
-            <a:schemeClr val="lt1"/>
-          </a:fontRef>
-        </p:style>
-        <p:txBody>
-          <a:bodyPr rtlCol="0" anchor="ctr"/>
-          <a:lstStyle/>
-          <a:p>
-            <a:pPr algn="ctr"/>
-            <a:endParaRPr lang="en-US" dirty="0"/>
-          </a:p>
-        </p:txBody>
-      </p:sp>
-      <p:sp>
-        <p:nvSpPr>
           <p:cNvPr id="2" name="Title 1"/>
           <p:cNvSpPr>
             <a:spLocks noGrp="1"/>
@@ -2539,8 +2465,8 @@
         </p:nvSpPr>
         <p:spPr>
           <a:xfrm>
-            <a:off x="7982712" y="457200"/>
-            <a:ext cx="3602736" cy="1554480"/>
+            <a:off x="839788" y="457200"/>
+            <a:ext cx="3932237" cy="1600200"/>
           </a:xfrm>
         </p:spPr>
         <p:txBody>
@@ -2552,15 +2478,16 @@
           </a:lstStyle>
           <a:p>
             <a:r>
-              <a:rPr lang="en-US"/>
+              <a:rPr lang="en-US" smtClean="0"/>
               <a:t>Click to edit Master title style</a:t>
             </a:r>
-          </a:p>
-        </p:txBody>
-      </p:sp>
-      <p:sp>
-        <p:nvSpPr>
-          <p:cNvPr id="3" name="Picture Placeholder 2" descr="An empty placeholder to add an image. Click on the placeholder and select the image that you wish to add"/>
+            <a:endParaRPr lang="en-US"/>
+          </a:p>
+        </p:txBody>
+      </p:sp>
+      <p:sp>
+        <p:nvSpPr>
+          <p:cNvPr id="3" name="Picture Placeholder 2"/>
           <p:cNvSpPr>
             <a:spLocks noGrp="1"/>
           </p:cNvSpPr>
@@ -2570,18 +2497,16 @@
         </p:nvSpPr>
         <p:spPr>
           <a:xfrm>
-            <a:off x="0" y="-1"/>
-            <a:ext cx="7315200" cy="6858000"/>
+            <a:off x="5183188" y="987425"/>
+            <a:ext cx="6172200" cy="4873625"/>
           </a:xfrm>
         </p:spPr>
         <p:txBody>
-          <a:bodyPr tIns="457200">
-            <a:normAutofit/>
-          </a:bodyPr>
+          <a:bodyPr/>
           <a:lstStyle>
-            <a:lvl1pPr marL="0" indent="0" algn="ctr">
-              <a:buNone/>
-              <a:defRPr sz="2400"/>
+            <a:lvl1pPr marL="0" indent="0">
+              <a:buNone/>
+              <a:defRPr sz="3200"/>
             </a:lvl1pPr>
             <a:lvl2pPr marL="457200" indent="0">
               <a:buNone/>
@@ -2617,11 +2542,7 @@
             </a:lvl9pPr>
           </a:lstStyle>
           <a:p>
-            <a:r>
-              <a:rPr lang="en-US"/>
-              <a:t>Click icon to add picture</a:t>
-            </a:r>
-            <a:endParaRPr lang="en-US" dirty="0"/>
+            <a:endParaRPr lang="en-US"/>
           </a:p>
         </p:txBody>
       </p:sp>
@@ -2637,8 +2558,8 @@
         </p:nvSpPr>
         <p:spPr>
           <a:xfrm>
-            <a:off x="7982712" y="2101850"/>
-            <a:ext cx="3602736" cy="1828800"/>
+            <a:off x="839788" y="2057400"/>
+            <a:ext cx="3932237" cy="3811588"/>
           </a:xfrm>
         </p:spPr>
         <p:txBody>
@@ -2684,16 +2605,81 @@
           <a:p>
             <a:pPr lvl="0"/>
             <a:r>
-              <a:rPr lang="en-US"/>
-              <a:t>Edit Master text styles</a:t>
-            </a:r>
+              <a:rPr lang="en-US" smtClean="0"/>
+              <a:t>Click to edit Master text styles</a:t>
+            </a:r>
+          </a:p>
+        </p:txBody>
+      </p:sp>
+      <p:sp>
+        <p:nvSpPr>
+          <p:cNvPr id="5" name="Date Placeholder 4"/>
+          <p:cNvSpPr>
+            <a:spLocks noGrp="1"/>
+          </p:cNvSpPr>
+          <p:nvPr>
+            <p:ph type="dt" sz="half" idx="10"/>
+          </p:nvPr>
+        </p:nvSpPr>
+        <p:spPr/>
+        <p:txBody>
+          <a:bodyPr/>
+          <a:lstStyle/>
+          <a:p>
+            <a:fld id="{2DB70E5C-928A-4A7C-A88C-70BC2713395B}" type="datetimeFigureOut">
+              <a:rPr lang="en-US" smtClean="0"/>
+              <a:t>10/24/2017</a:t>
+            </a:fld>
+            <a:endParaRPr lang="en-US"/>
+          </a:p>
+        </p:txBody>
+      </p:sp>
+      <p:sp>
+        <p:nvSpPr>
+          <p:cNvPr id="6" name="Footer Placeholder 5"/>
+          <p:cNvSpPr>
+            <a:spLocks noGrp="1"/>
+          </p:cNvSpPr>
+          <p:nvPr>
+            <p:ph type="ftr" sz="quarter" idx="11"/>
+          </p:nvPr>
+        </p:nvSpPr>
+        <p:spPr/>
+        <p:txBody>
+          <a:bodyPr/>
+          <a:lstStyle/>
+          <a:p>
+            <a:endParaRPr lang="en-US"/>
+          </a:p>
+        </p:txBody>
+      </p:sp>
+      <p:sp>
+        <p:nvSpPr>
+          <p:cNvPr id="7" name="Slide Number Placeholder 6"/>
+          <p:cNvSpPr>
+            <a:spLocks noGrp="1"/>
+          </p:cNvSpPr>
+          <p:nvPr>
+            <p:ph type="sldNum" sz="quarter" idx="12"/>
+          </p:nvPr>
+        </p:nvSpPr>
+        <p:spPr/>
+        <p:txBody>
+          <a:bodyPr/>
+          <a:lstStyle/>
+          <a:p>
+            <a:fld id="{7055557D-65DA-497D-8132-50C681CC3B02}" type="slidenum">
+              <a:rPr lang="en-US" smtClean="0"/>
+              <a:t>‹#›</a:t>
+            </a:fld>
+            <a:endParaRPr lang="en-US"/>
           </a:p>
         </p:txBody>
       </p:sp>
     </p:spTree>
     <p:extLst>
       <p:ext uri="{BB962C8B-B14F-4D97-AF65-F5344CB8AC3E}">
-        <p14:creationId xmlns:p14="http://schemas.microsoft.com/office/powerpoint/2010/main" val="1307937567"/>
+        <p14:creationId xmlns:p14="http://schemas.microsoft.com/office/powerpoint/2010/main" val="786290051"/>
       </p:ext>
     </p:extLst>
   </p:cSld>
@@ -2712,6 +2698,13 @@
       </p:transition>
     </mc:Fallback>
   </mc:AlternateContent>
+  <p:timing>
+    <p:tnLst>
+      <p:par>
+        <p:cTn id="1" dur="indefinite" restart="never" nodeType="tmRoot"/>
+      </p:par>
+    </p:tnLst>
+  </p:timing>
 </p:sldLayout>
 </file>
 
@@ -2749,24 +2742,24 @@
         </p:nvSpPr>
         <p:spPr>
           <a:xfrm>
-            <a:off x="1295400" y="362303"/>
-            <a:ext cx="9601200" cy="1069940"/>
+            <a:off x="838200" y="365125"/>
+            <a:ext cx="10515600" cy="1325563"/>
           </a:xfrm>
           <a:prstGeom prst="rect">
             <a:avLst/>
           </a:prstGeom>
         </p:spPr>
         <p:txBody>
-          <a:bodyPr vert="horz" lIns="91440" tIns="45720" rIns="91440" bIns="45720" rtlCol="0" anchor="b">
+          <a:bodyPr vert="horz" lIns="91440" tIns="45720" rIns="91440" bIns="45720" rtlCol="0" anchor="ctr">
             <a:normAutofit/>
           </a:bodyPr>
           <a:lstStyle/>
           <a:p>
             <a:r>
-              <a:rPr lang="en-US"/>
+              <a:rPr lang="en-US" smtClean="0"/>
               <a:t>Click to edit Master title style</a:t>
             </a:r>
-            <a:endParaRPr lang="en-US" dirty="0"/>
+            <a:endParaRPr lang="en-US"/>
           </a:p>
         </p:txBody>
       </p:sp>
@@ -2782,8 +2775,8 @@
         </p:nvSpPr>
         <p:spPr>
           <a:xfrm>
-            <a:off x="1295400" y="1828799"/>
-            <a:ext cx="9601200" cy="4348163"/>
+            <a:off x="838200" y="1825625"/>
+            <a:ext cx="10515600" cy="4351338"/>
           </a:xfrm>
           <a:prstGeom prst="rect">
             <a:avLst/>
@@ -2797,55 +2790,55 @@
           <a:p>
             <a:pPr lvl="0"/>
             <a:r>
-              <a:rPr lang="en-US"/>
-              <a:t>Edit Master text styles</a:t>
+              <a:rPr lang="en-US" smtClean="0"/>
+              <a:t>Click to edit Master text styles</a:t>
             </a:r>
           </a:p>
           <a:p>
             <a:pPr lvl="1"/>
             <a:r>
-              <a:rPr lang="en-US"/>
+              <a:rPr lang="en-US" smtClean="0"/>
               <a:t>Second level</a:t>
             </a:r>
           </a:p>
           <a:p>
             <a:pPr lvl="2"/>
             <a:r>
-              <a:rPr lang="en-US"/>
+              <a:rPr lang="en-US" smtClean="0"/>
               <a:t>Third level</a:t>
             </a:r>
           </a:p>
           <a:p>
             <a:pPr lvl="3"/>
             <a:r>
-              <a:rPr lang="en-US"/>
+              <a:rPr lang="en-US" smtClean="0"/>
               <a:t>Fourth level</a:t>
             </a:r>
           </a:p>
           <a:p>
             <a:pPr lvl="4"/>
             <a:r>
-              <a:rPr lang="en-US"/>
+              <a:rPr lang="en-US" smtClean="0"/>
               <a:t>Fifth level</a:t>
             </a:r>
-            <a:endParaRPr lang="en-US" dirty="0"/>
-          </a:p>
-        </p:txBody>
-      </p:sp>
-      <p:sp>
-        <p:nvSpPr>
-          <p:cNvPr id="5" name="Footer Placeholder 4"/>
-          <p:cNvSpPr>
-            <a:spLocks noGrp="1"/>
-          </p:cNvSpPr>
-          <p:nvPr>
-            <p:ph type="ftr" sz="quarter" idx="3"/>
+            <a:endParaRPr lang="en-US"/>
+          </a:p>
+        </p:txBody>
+      </p:sp>
+      <p:sp>
+        <p:nvSpPr>
+          <p:cNvPr id="4" name="Date Placeholder 3"/>
+          <p:cNvSpPr>
+            <a:spLocks noGrp="1"/>
+          </p:cNvSpPr>
+          <p:nvPr>
+            <p:ph type="dt" sz="half" idx="2"/>
           </p:nvPr>
         </p:nvSpPr>
         <p:spPr>
           <a:xfrm>
-            <a:off x="609600" y="6385492"/>
-            <a:ext cx="6099048" cy="228600"/>
+            <a:off x="838200" y="6356350"/>
+            <a:ext cx="2743200" cy="365125"/>
           </a:xfrm>
           <a:prstGeom prst="rect">
             <a:avLst/>
@@ -2855,36 +2848,38 @@
           <a:bodyPr vert="horz" lIns="91440" tIns="45720" rIns="91440" bIns="45720" rtlCol="0" anchor="ctr"/>
           <a:lstStyle>
             <a:lvl1pPr algn="l">
-              <a:defRPr sz="1100">
+              <a:defRPr sz="1200">
                 <a:solidFill>
-                  <a:schemeClr val="accent1"/>
+                  <a:schemeClr val="tx1">
+                    <a:tint val="75000"/>
+                  </a:schemeClr>
                 </a:solidFill>
               </a:defRPr>
             </a:lvl1pPr>
           </a:lstStyle>
           <a:p>
-            <a:r>
-              <a:rPr lang="en-US"/>
-              <a:t>Add a footer</a:t>
-            </a:r>
+            <a:fld id="{CC444FFE-4BDB-4301-83D8-FE8B25E7CF5A}" type="datetime1">
+              <a:rPr lang="en-US" smtClean="0"/>
+              <a:t>10/24/2017</a:t>
+            </a:fld>
             <a:endParaRPr lang="en-US" dirty="0"/>
           </a:p>
         </p:txBody>
       </p:sp>
       <p:sp>
         <p:nvSpPr>
-          <p:cNvPr id="4" name="Date Placeholder 3"/>
-          <p:cNvSpPr>
-            <a:spLocks noGrp="1"/>
-          </p:cNvSpPr>
-          <p:nvPr>
-            <p:ph type="dt" sz="half" idx="2"/>
+          <p:cNvPr id="5" name="Footer Placeholder 4"/>
+          <p:cNvSpPr>
+            <a:spLocks noGrp="1"/>
+          </p:cNvSpPr>
+          <p:nvPr>
+            <p:ph type="ftr" sz="quarter" idx="3"/>
           </p:nvPr>
         </p:nvSpPr>
         <p:spPr>
           <a:xfrm>
-            <a:off x="9419253" y="6385492"/>
-            <a:ext cx="982047" cy="228600"/>
+            <a:off x="4038600" y="6356350"/>
+            <a:ext cx="4114800" cy="365125"/>
           </a:xfrm>
           <a:prstGeom prst="rect">
             <a:avLst/>
@@ -2893,19 +2888,21 @@
         <p:txBody>
           <a:bodyPr vert="horz" lIns="91440" tIns="45720" rIns="91440" bIns="45720" rtlCol="0" anchor="ctr"/>
           <a:lstStyle>
-            <a:lvl1pPr algn="r">
-              <a:defRPr sz="1100">
+            <a:lvl1pPr algn="ctr">
+              <a:defRPr sz="1200">
                 <a:solidFill>
-                  <a:schemeClr val="accent1"/>
+                  <a:schemeClr val="tx1">
+                    <a:tint val="75000"/>
+                  </a:schemeClr>
                 </a:solidFill>
               </a:defRPr>
             </a:lvl1pPr>
           </a:lstStyle>
           <a:p>
-            <a:fld id="{CC444FFE-4BDB-4301-83D8-FE8B25E7CF5A}" type="datetime1">
-              <a:rPr lang="en-US" smtClean="0"/>
-              <a:t>10/24/2017</a:t>
-            </a:fld>
+            <a:r>
+              <a:rPr lang="en-US" smtClean="0"/>
+              <a:t>Add a footer</a:t>
+            </a:r>
             <a:endParaRPr lang="en-US" dirty="0"/>
           </a:p>
         </p:txBody>
@@ -2922,8 +2919,8 @@
         </p:nvSpPr>
         <p:spPr>
           <a:xfrm>
-            <a:off x="10753532" y="6385492"/>
-            <a:ext cx="828868" cy="228600"/>
+            <a:off x="8610600" y="6356350"/>
+            <a:ext cx="2743200" cy="365125"/>
           </a:xfrm>
           <a:prstGeom prst="rect">
             <a:avLst/>
@@ -2933,9 +2930,11 @@
           <a:bodyPr vert="horz" lIns="91440" tIns="45720" rIns="91440" bIns="45720" rtlCol="0" anchor="ctr"/>
           <a:lstStyle>
             <a:lvl1pPr algn="r">
-              <a:defRPr sz="1100">
+              <a:defRPr sz="1200">
                 <a:solidFill>
-                  <a:schemeClr val="accent1"/>
+                  <a:schemeClr val="tx1">
+                    <a:tint val="75000"/>
+                  </a:schemeClr>
                 </a:solidFill>
               </a:defRPr>
             </a:lvl1pPr>
@@ -2953,23 +2952,23 @@
     </p:spTree>
     <p:extLst>
       <p:ext uri="{BB962C8B-B14F-4D97-AF65-F5344CB8AC3E}">
-        <p14:creationId xmlns:p14="http://schemas.microsoft.com/office/powerpoint/2010/main" val="3825834910"/>
+        <p14:creationId xmlns:p14="http://schemas.microsoft.com/office/powerpoint/2010/main" val="3036737289"/>
       </p:ext>
     </p:extLst>
   </p:cSld>
-  <p:clrMap bg1="dk1" tx1="lt1" bg2="dk2" tx2="lt2" accent1="accent1" accent2="accent2" accent3="accent3" accent4="accent4" accent5="accent5" accent6="accent6" hlink="hlink" folHlink="folHlink"/>
+  <p:clrMap bg1="lt1" tx1="dk1" bg2="lt2" tx2="dk2" accent1="accent1" accent2="accent2" accent3="accent3" accent4="accent4" accent5="accent5" accent6="accent6" hlink="hlink" folHlink="folHlink"/>
   <p:sldLayoutIdLst>
-    <p:sldLayoutId id="2147483661" r:id="rId1"/>
-    <p:sldLayoutId id="2147483662" r:id="rId2"/>
-    <p:sldLayoutId id="2147483663" r:id="rId3"/>
-    <p:sldLayoutId id="2147483664" r:id="rId4"/>
-    <p:sldLayoutId id="2147483665" r:id="rId5"/>
-    <p:sldLayoutId id="2147483666" r:id="rId6"/>
-    <p:sldLayoutId id="2147483667" r:id="rId7"/>
-    <p:sldLayoutId id="2147483668" r:id="rId8"/>
-    <p:sldLayoutId id="2147483669" r:id="rId9"/>
-    <p:sldLayoutId id="2147483670" r:id="rId10"/>
-    <p:sldLayoutId id="2147483671" r:id="rId11"/>
+    <p:sldLayoutId id="2147483673" r:id="rId1"/>
+    <p:sldLayoutId id="2147483674" r:id="rId2"/>
+    <p:sldLayoutId id="2147483675" r:id="rId3"/>
+    <p:sldLayoutId id="2147483676" r:id="rId4"/>
+    <p:sldLayoutId id="2147483677" r:id="rId5"/>
+    <p:sldLayoutId id="2147483678" r:id="rId6"/>
+    <p:sldLayoutId id="2147483679" r:id="rId7"/>
+    <p:sldLayoutId id="2147483680" r:id="rId8"/>
+    <p:sldLayoutId id="2147483681" r:id="rId9"/>
+    <p:sldLayoutId id="2147483682" r:id="rId10"/>
+    <p:sldLayoutId id="2147483683" r:id="rId11"/>
   </p:sldLayoutIdLst>
   <mc:AlternateContent xmlns:mc="http://schemas.openxmlformats.org/markup-compatibility/2006" xmlns:p14="http://schemas.microsoft.com/office/powerpoint/2010/main">
     <mc:Choice Requires="p14">
@@ -2983,6 +2982,13 @@
       </p:transition>
     </mc:Fallback>
   </mc:AlternateContent>
+  <p:timing>
+    <p:tnLst>
+      <p:par>
+        <p:cTn id="1" dur="indefinite" restart="never" nodeType="tmRoot"/>
+      </p:par>
+    </p:tnLst>
+  </p:timing>
   <p:hf sldNum="0" hdr="0" ftr="0" dt="0"/>
   <p:txStyles>
     <p:titleStyle>
@@ -2994,9 +3000,9 @@
           <a:spcPct val="0"/>
         </a:spcBef>
         <a:buNone/>
-        <a:defRPr sz="3200" kern="1200">
+        <a:defRPr sz="4400" kern="1200">
           <a:solidFill>
-            <a:schemeClr val="accent1"/>
+            <a:schemeClr val="tx1"/>
           </a:solidFill>
           <a:latin typeface="+mj-lt"/>
           <a:ea typeface="+mj-ea"/>
@@ -3010,12 +3016,45 @@
           <a:spcPct val="90000"/>
         </a:lnSpc>
         <a:spcBef>
-          <a:spcPts val="1800"/>
+          <a:spcPts val="1000"/>
         </a:spcBef>
-        <a:buClr>
-          <a:schemeClr val="accent1"/>
-        </a:buClr>
-        <a:buFont typeface="Arial" pitchFamily="34" charset="0"/>
+        <a:buFont typeface="Arial" panose="020B0604020202020204" pitchFamily="34" charset="0"/>
+        <a:buChar char="•"/>
+        <a:defRPr sz="2800" kern="1200">
+          <a:solidFill>
+            <a:schemeClr val="tx1"/>
+          </a:solidFill>
+          <a:latin typeface="+mn-lt"/>
+          <a:ea typeface="+mn-ea"/>
+          <a:cs typeface="+mn-cs"/>
+        </a:defRPr>
+      </a:lvl1pPr>
+      <a:lvl2pPr marL="685800" indent="-228600" algn="l" defTabSz="914400" rtl="0" eaLnBrk="1" latinLnBrk="0" hangingPunct="1">
+        <a:lnSpc>
+          <a:spcPct val="90000"/>
+        </a:lnSpc>
+        <a:spcBef>
+          <a:spcPts val="500"/>
+        </a:spcBef>
+        <a:buFont typeface="Arial" panose="020B0604020202020204" pitchFamily="34" charset="0"/>
+        <a:buChar char="•"/>
+        <a:defRPr sz="2400" kern="1200">
+          <a:solidFill>
+            <a:schemeClr val="tx1"/>
+          </a:solidFill>
+          <a:latin typeface="+mn-lt"/>
+          <a:ea typeface="+mn-ea"/>
+          <a:cs typeface="+mn-cs"/>
+        </a:defRPr>
+      </a:lvl2pPr>
+      <a:lvl3pPr marL="1143000" indent="-228600" algn="l" defTabSz="914400" rtl="0" eaLnBrk="1" latinLnBrk="0" hangingPunct="1">
+        <a:lnSpc>
+          <a:spcPct val="90000"/>
+        </a:lnSpc>
+        <a:spcBef>
+          <a:spcPts val="500"/>
+        </a:spcBef>
+        <a:buFont typeface="Arial" panose="020B0604020202020204" pitchFamily="34" charset="0"/>
         <a:buChar char="•"/>
         <a:defRPr sz="2000" kern="1200">
           <a:solidFill>
@@ -3025,18 +3064,15 @@
           <a:ea typeface="+mn-ea"/>
           <a:cs typeface="+mn-cs"/>
         </a:defRPr>
-      </a:lvl1pPr>
-      <a:lvl2pPr marL="502920" indent="-228600" algn="l" defTabSz="914400" rtl="0" eaLnBrk="1" latinLnBrk="0" hangingPunct="1">
+      </a:lvl3pPr>
+      <a:lvl4pPr marL="1600200" indent="-228600" algn="l" defTabSz="914400" rtl="0" eaLnBrk="1" latinLnBrk="0" hangingPunct="1">
         <a:lnSpc>
           <a:spcPct val="90000"/>
         </a:lnSpc>
         <a:spcBef>
-          <a:spcPts val="1200"/>
+          <a:spcPts val="500"/>
         </a:spcBef>
-        <a:buClr>
-          <a:schemeClr val="accent1"/>
-        </a:buClr>
-        <a:buFont typeface="Arial" pitchFamily="34" charset="0"/>
+        <a:buFont typeface="Arial" panose="020B0604020202020204" pitchFamily="34" charset="0"/>
         <a:buChar char="•"/>
         <a:defRPr sz="1800" kern="1200">
           <a:solidFill>
@@ -3046,62 +3082,17 @@
           <a:ea typeface="+mn-ea"/>
           <a:cs typeface="+mn-cs"/>
         </a:defRPr>
-      </a:lvl2pPr>
-      <a:lvl3pPr marL="731520" indent="-182880" algn="l" defTabSz="914400" rtl="0" eaLnBrk="1" latinLnBrk="0" hangingPunct="1">
+      </a:lvl4pPr>
+      <a:lvl5pPr marL="2057400" indent="-228600" algn="l" defTabSz="914400" rtl="0" eaLnBrk="1" latinLnBrk="0" hangingPunct="1">
         <a:lnSpc>
           <a:spcPct val="90000"/>
         </a:lnSpc>
         <a:spcBef>
-          <a:spcPts val="800"/>
+          <a:spcPts val="500"/>
         </a:spcBef>
-        <a:buClr>
-          <a:schemeClr val="accent1"/>
-        </a:buClr>
-        <a:buFont typeface="Arial" pitchFamily="34" charset="0"/>
+        <a:buFont typeface="Arial" panose="020B0604020202020204" pitchFamily="34" charset="0"/>
         <a:buChar char="•"/>
-        <a:defRPr sz="1600" kern="1200">
-          <a:solidFill>
-            <a:schemeClr val="tx1"/>
-          </a:solidFill>
-          <a:latin typeface="+mn-lt"/>
-          <a:ea typeface="+mn-ea"/>
-          <a:cs typeface="+mn-cs"/>
-        </a:defRPr>
-      </a:lvl3pPr>
-      <a:lvl4pPr marL="960120" indent="-182880" algn="l" defTabSz="914400" rtl="0" eaLnBrk="1" latinLnBrk="0" hangingPunct="1">
-        <a:lnSpc>
-          <a:spcPct val="90000"/>
-        </a:lnSpc>
-        <a:spcBef>
-          <a:spcPts val="800"/>
-        </a:spcBef>
-        <a:buClr>
-          <a:schemeClr val="accent1"/>
-        </a:buClr>
-        <a:buFont typeface="Arial" pitchFamily="34" charset="0"/>
-        <a:buChar char="•"/>
-        <a:defRPr sz="1400" kern="1200">
-          <a:solidFill>
-            <a:schemeClr val="tx1"/>
-          </a:solidFill>
-          <a:latin typeface="+mn-lt"/>
-          <a:ea typeface="+mn-ea"/>
-          <a:cs typeface="+mn-cs"/>
-        </a:defRPr>
-      </a:lvl4pPr>
-      <a:lvl5pPr marL="1188720" indent="-182880" algn="l" defTabSz="914400" rtl="0" eaLnBrk="1" latinLnBrk="0" hangingPunct="1">
-        <a:lnSpc>
-          <a:spcPct val="90000"/>
-        </a:lnSpc>
-        <a:spcBef>
-          <a:spcPts val="800"/>
-        </a:spcBef>
-        <a:buClr>
-          <a:schemeClr val="accent1"/>
-        </a:buClr>
-        <a:buFont typeface="Arial" pitchFamily="34" charset="0"/>
-        <a:buChar char="•"/>
-        <a:defRPr sz="1400" kern="1200">
+        <a:defRPr sz="1800" kern="1200">
           <a:solidFill>
             <a:schemeClr val="tx1"/>
           </a:solidFill>
@@ -3110,19 +3101,16 @@
           <a:cs typeface="+mn-cs"/>
         </a:defRPr>
       </a:lvl5pPr>
-      <a:lvl6pPr marL="1371600" indent="-182880" algn="l" defTabSz="914400" rtl="0" eaLnBrk="1" latinLnBrk="0" hangingPunct="1">
+      <a:lvl6pPr marL="2514600" indent="-228600" algn="l" defTabSz="914400" rtl="0" eaLnBrk="1" latinLnBrk="0" hangingPunct="1">
         <a:lnSpc>
           <a:spcPct val="90000"/>
         </a:lnSpc>
         <a:spcBef>
-          <a:spcPts val="800"/>
+          <a:spcPts val="500"/>
         </a:spcBef>
-        <a:buClr>
-          <a:schemeClr val="accent1"/>
-        </a:buClr>
-        <a:buFont typeface="Arial" pitchFamily="34" charset="0"/>
+        <a:buFont typeface="Arial" panose="020B0604020202020204" pitchFamily="34" charset="0"/>
         <a:buChar char="•"/>
-        <a:defRPr sz="1400" kern="1200">
+        <a:defRPr sz="1800" kern="1200">
           <a:solidFill>
             <a:schemeClr val="tx1"/>
           </a:solidFill>
@@ -3131,19 +3119,16 @@
           <a:cs typeface="+mn-cs"/>
         </a:defRPr>
       </a:lvl6pPr>
-      <a:lvl7pPr marL="1600200" indent="-182880" algn="l" defTabSz="914400" rtl="0" eaLnBrk="1" latinLnBrk="0" hangingPunct="1">
+      <a:lvl7pPr marL="2971800" indent="-228600" algn="l" defTabSz="914400" rtl="0" eaLnBrk="1" latinLnBrk="0" hangingPunct="1">
         <a:lnSpc>
           <a:spcPct val="90000"/>
         </a:lnSpc>
         <a:spcBef>
-          <a:spcPts val="800"/>
+          <a:spcPts val="500"/>
         </a:spcBef>
-        <a:buClr>
-          <a:schemeClr val="accent1"/>
-        </a:buClr>
-        <a:buFont typeface="Arial" pitchFamily="34" charset="0"/>
+        <a:buFont typeface="Arial" panose="020B0604020202020204" pitchFamily="34" charset="0"/>
         <a:buChar char="•"/>
-        <a:defRPr sz="1400" kern="1200">
+        <a:defRPr sz="1800" kern="1200">
           <a:solidFill>
             <a:schemeClr val="tx1"/>
           </a:solidFill>
@@ -3152,19 +3137,16 @@
           <a:cs typeface="+mn-cs"/>
         </a:defRPr>
       </a:lvl7pPr>
-      <a:lvl8pPr marL="1828800" indent="-182880" algn="l" defTabSz="914400" rtl="0" eaLnBrk="1" latinLnBrk="0" hangingPunct="1">
+      <a:lvl8pPr marL="3429000" indent="-228600" algn="l" defTabSz="914400" rtl="0" eaLnBrk="1" latinLnBrk="0" hangingPunct="1">
         <a:lnSpc>
           <a:spcPct val="90000"/>
         </a:lnSpc>
         <a:spcBef>
-          <a:spcPts val="800"/>
+          <a:spcPts val="500"/>
         </a:spcBef>
-        <a:buClr>
-          <a:schemeClr val="accent1"/>
-        </a:buClr>
-        <a:buFont typeface="Arial" pitchFamily="34" charset="0"/>
+        <a:buFont typeface="Arial" panose="020B0604020202020204" pitchFamily="34" charset="0"/>
         <a:buChar char="•"/>
-        <a:defRPr sz="1400" kern="1200">
+        <a:defRPr sz="1800" kern="1200">
           <a:solidFill>
             <a:schemeClr val="tx1"/>
           </a:solidFill>
@@ -3173,19 +3155,16 @@
           <a:cs typeface="+mn-cs"/>
         </a:defRPr>
       </a:lvl8pPr>
-      <a:lvl9pPr marL="2057400" indent="-182880" algn="l" defTabSz="914400" rtl="0" eaLnBrk="1" latinLnBrk="0" hangingPunct="1">
+      <a:lvl9pPr marL="3886200" indent="-228600" algn="l" defTabSz="914400" rtl="0" eaLnBrk="1" latinLnBrk="0" hangingPunct="1">
         <a:lnSpc>
           <a:spcPct val="90000"/>
         </a:lnSpc>
         <a:spcBef>
-          <a:spcPts val="800"/>
+          <a:spcPts val="500"/>
         </a:spcBef>
-        <a:buClr>
-          <a:schemeClr val="accent1"/>
-        </a:buClr>
-        <a:buFont typeface="Arial" pitchFamily="34" charset="0"/>
+        <a:buFont typeface="Arial" panose="020B0604020202020204" pitchFamily="34" charset="0"/>
         <a:buChar char="•"/>
-        <a:defRPr sz="1400" kern="1200">
+        <a:defRPr sz="1800" kern="1200">
           <a:solidFill>
             <a:schemeClr val="tx1"/>
           </a:solidFill>
@@ -3291,20 +3270,9 @@
       </a:lvl9pPr>
     </p:otherStyle>
   </p:txStyles>
-  <p:extLst mod="1">
+  <p:extLst>
     <p:ext uri="{27BBF7A9-308A-43DC-89C8-2F10F3537804}">
-      <p15:sldGuideLst xmlns:p15="http://schemas.microsoft.com/office/powerpoint/2012/main">
-        <p15:guide id="1" orient="horz" pos="2160">
-          <p15:clr>
-            <a:srgbClr val="F26B43"/>
-          </p15:clr>
-        </p15:guide>
-        <p15:guide id="2" pos="3840">
-          <p15:clr>
-            <a:srgbClr val="F26B43"/>
-          </p15:clr>
-        </p15:guide>
-      </p15:sldGuideLst>
+      <p15:sldGuideLst xmlns:p15="http://schemas.microsoft.com/office/powerpoint/2012/main"/>
     </p:ext>
   </p:extLst>
 </p:sldMaster>
@@ -3405,7 +3373,7 @@
           <p:cNvPr id="2" name="Table 1">
             <a:extLst>
               <a:ext uri="{FF2B5EF4-FFF2-40B4-BE49-F238E27FC236}">
-                <a16:creationId xmlns:a16="http://schemas.microsoft.com/office/drawing/2014/main" id="{F9660932-3C89-4007-BC3D-7D7BEC8B85C7}"/>
+                <a16:creationId xmlns:a16="http://schemas.microsoft.com/office/drawing/2014/main" xmlns="" id="{F9660932-3C89-4007-BC3D-7D7BEC8B85C7}"/>
               </a:ext>
             </a:extLst>
           </p:cNvPr>
@@ -3430,35 +3398,35 @@
                 <a:gridCol w="2424222">
                   <a:extLst>
                     <a:ext uri="{9D8B030D-6E8A-4147-A177-3AD203B41FA5}">
-                      <a16:colId xmlns:a16="http://schemas.microsoft.com/office/drawing/2014/main" val="1892680203"/>
+                      <a16:colId xmlns:a16="http://schemas.microsoft.com/office/drawing/2014/main" xmlns="" val="1892680203"/>
                     </a:ext>
                   </a:extLst>
                 </a:gridCol>
                 <a:gridCol w="1655638">
                   <a:extLst>
                     <a:ext uri="{9D8B030D-6E8A-4147-A177-3AD203B41FA5}">
-                      <a16:colId xmlns:a16="http://schemas.microsoft.com/office/drawing/2014/main" val="3813349444"/>
+                      <a16:colId xmlns:a16="http://schemas.microsoft.com/office/drawing/2014/main" xmlns="" val="3813349444"/>
                     </a:ext>
                   </a:extLst>
                 </a:gridCol>
                 <a:gridCol w="4160372">
                   <a:extLst>
                     <a:ext uri="{9D8B030D-6E8A-4147-A177-3AD203B41FA5}">
-                      <a16:colId xmlns:a16="http://schemas.microsoft.com/office/drawing/2014/main" val="3938960491"/>
+                      <a16:colId xmlns:a16="http://schemas.microsoft.com/office/drawing/2014/main" xmlns="" val="3938960491"/>
                     </a:ext>
                   </a:extLst>
                 </a:gridCol>
                 <a:gridCol w="1063255">
                   <a:extLst>
                     <a:ext uri="{9D8B030D-6E8A-4147-A177-3AD203B41FA5}">
-                      <a16:colId xmlns:a16="http://schemas.microsoft.com/office/drawing/2014/main" val="3573603671"/>
+                      <a16:colId xmlns:a16="http://schemas.microsoft.com/office/drawing/2014/main" xmlns="" val="3573603671"/>
                     </a:ext>
                   </a:extLst>
                 </a:gridCol>
                 <a:gridCol w="2049756">
                   <a:extLst>
                     <a:ext uri="{9D8B030D-6E8A-4147-A177-3AD203B41FA5}">
-                      <a16:colId xmlns:a16="http://schemas.microsoft.com/office/drawing/2014/main" val="2749528011"/>
+                      <a16:colId xmlns:a16="http://schemas.microsoft.com/office/drawing/2014/main" xmlns="" val="2749528011"/>
                     </a:ext>
                   </a:extLst>
                 </a:gridCol>
@@ -3626,7 +3594,7 @@
                 </a:tc>
                 <a:extLst>
                   <a:ext uri="{0D108BD9-81ED-4DB2-BD59-A6C34878D82A}">
-                    <a16:rowId xmlns:a16="http://schemas.microsoft.com/office/drawing/2014/main" val="1786870625"/>
+                    <a16:rowId xmlns:a16="http://schemas.microsoft.com/office/drawing/2014/main" xmlns="" val="1786870625"/>
                   </a:ext>
                 </a:extLst>
               </a:tr>
@@ -3773,7 +3741,7 @@
                 </a:tc>
                 <a:extLst>
                   <a:ext uri="{0D108BD9-81ED-4DB2-BD59-A6C34878D82A}">
-                    <a16:rowId xmlns:a16="http://schemas.microsoft.com/office/drawing/2014/main" val="893756122"/>
+                    <a16:rowId xmlns:a16="http://schemas.microsoft.com/office/drawing/2014/main" xmlns="" val="893756122"/>
                   </a:ext>
                 </a:extLst>
               </a:tr>
@@ -3871,7 +3839,7 @@
                 </a:tc>
                 <a:extLst>
                   <a:ext uri="{0D108BD9-81ED-4DB2-BD59-A6C34878D82A}">
-                    <a16:rowId xmlns:a16="http://schemas.microsoft.com/office/drawing/2014/main" val="808762840"/>
+                    <a16:rowId xmlns:a16="http://schemas.microsoft.com/office/drawing/2014/main" xmlns="" val="808762840"/>
                   </a:ext>
                 </a:extLst>
               </a:tr>
@@ -3968,7 +3936,7 @@
                 </a:tc>
                 <a:extLst>
                   <a:ext uri="{0D108BD9-81ED-4DB2-BD59-A6C34878D82A}">
-                    <a16:rowId xmlns:a16="http://schemas.microsoft.com/office/drawing/2014/main" val="728645882"/>
+                    <a16:rowId xmlns:a16="http://schemas.microsoft.com/office/drawing/2014/main" xmlns="" val="728645882"/>
                   </a:ext>
                 </a:extLst>
               </a:tr>
@@ -4065,7 +4033,7 @@
                 </a:tc>
                 <a:extLst>
                   <a:ext uri="{0D108BD9-81ED-4DB2-BD59-A6C34878D82A}">
-                    <a16:rowId xmlns:a16="http://schemas.microsoft.com/office/drawing/2014/main" val="1935657323"/>
+                    <a16:rowId xmlns:a16="http://schemas.microsoft.com/office/drawing/2014/main" xmlns="" val="1935657323"/>
                   </a:ext>
                 </a:extLst>
               </a:tr>
@@ -4162,7 +4130,7 @@
                 </a:tc>
                 <a:extLst>
                   <a:ext uri="{0D108BD9-81ED-4DB2-BD59-A6C34878D82A}">
-                    <a16:rowId xmlns:a16="http://schemas.microsoft.com/office/drawing/2014/main" val="3003984912"/>
+                    <a16:rowId xmlns:a16="http://schemas.microsoft.com/office/drawing/2014/main" xmlns="" val="3003984912"/>
                   </a:ext>
                 </a:extLst>
               </a:tr>
@@ -4259,7 +4227,7 @@
                 </a:tc>
                 <a:extLst>
                   <a:ext uri="{0D108BD9-81ED-4DB2-BD59-A6C34878D82A}">
-                    <a16:rowId xmlns:a16="http://schemas.microsoft.com/office/drawing/2014/main" val="3917829514"/>
+                    <a16:rowId xmlns:a16="http://schemas.microsoft.com/office/drawing/2014/main" xmlns="" val="3917829514"/>
                   </a:ext>
                 </a:extLst>
               </a:tr>
@@ -4356,7 +4324,7 @@
                 </a:tc>
                 <a:extLst>
                   <a:ext uri="{0D108BD9-81ED-4DB2-BD59-A6C34878D82A}">
-                    <a16:rowId xmlns:a16="http://schemas.microsoft.com/office/drawing/2014/main" val="371961043"/>
+                    <a16:rowId xmlns:a16="http://schemas.microsoft.com/office/drawing/2014/main" xmlns="" val="371961043"/>
                   </a:ext>
                 </a:extLst>
               </a:tr>
@@ -4453,7 +4421,7 @@
                 </a:tc>
                 <a:extLst>
                   <a:ext uri="{0D108BD9-81ED-4DB2-BD59-A6C34878D82A}">
-                    <a16:rowId xmlns:a16="http://schemas.microsoft.com/office/drawing/2014/main" val="2837573280"/>
+                    <a16:rowId xmlns:a16="http://schemas.microsoft.com/office/drawing/2014/main" xmlns="" val="2837573280"/>
                   </a:ext>
                 </a:extLst>
               </a:tr>
@@ -4550,7 +4518,7 @@
                 </a:tc>
                 <a:extLst>
                   <a:ext uri="{0D108BD9-81ED-4DB2-BD59-A6C34878D82A}">
-                    <a16:rowId xmlns:a16="http://schemas.microsoft.com/office/drawing/2014/main" val="2834797539"/>
+                    <a16:rowId xmlns:a16="http://schemas.microsoft.com/office/drawing/2014/main" xmlns="" val="2834797539"/>
                   </a:ext>
                 </a:extLst>
               </a:tr>
@@ -4647,7 +4615,7 @@
                 </a:tc>
                 <a:extLst>
                   <a:ext uri="{0D108BD9-81ED-4DB2-BD59-A6C34878D82A}">
-                    <a16:rowId xmlns:a16="http://schemas.microsoft.com/office/drawing/2014/main" val="2059314189"/>
+                    <a16:rowId xmlns:a16="http://schemas.microsoft.com/office/drawing/2014/main" xmlns="" val="2059314189"/>
                   </a:ext>
                 </a:extLst>
               </a:tr>
@@ -4660,7 +4628,7 @@
           <p:cNvPr id="4" name="TextBox 3">
             <a:extLst>
               <a:ext uri="{FF2B5EF4-FFF2-40B4-BE49-F238E27FC236}">
-                <a16:creationId xmlns:a16="http://schemas.microsoft.com/office/drawing/2014/main" id="{E8680E9A-DC3E-4AC6-BF0C-8E3CF1127DFF}"/>
+                <a16:creationId xmlns:a16="http://schemas.microsoft.com/office/drawing/2014/main" xmlns="" id="{E8680E9A-DC3E-4AC6-BF0C-8E3CF1127DFF}"/>
               </a:ext>
             </a:extLst>
           </p:cNvPr>
@@ -4783,9 +4751,9 @@
 </file>
 
 <file path=ppt/theme/theme1.xml><?xml version="1.0" encoding="utf-8"?>
-<a:theme xmlns:a="http://schemas.openxmlformats.org/drawingml/2006/main" name="Brushed Metal 16x9">
+<a:theme xmlns:a="http://schemas.openxmlformats.org/drawingml/2006/main" name="Office Theme">
   <a:themeElements>
-    <a:clrScheme name="BrushedMetal">
+    <a:clrScheme name="Office">
       <a:dk1>
         <a:sysClr val="windowText" lastClr="000000"/>
       </a:dk1>
@@ -4793,48 +4761,83 @@
         <a:sysClr val="window" lastClr="FFFFFF"/>
       </a:lt1>
       <a:dk2>
-        <a:srgbClr val="2F333A"/>
+        <a:srgbClr val="44546A"/>
       </a:dk2>
       <a:lt2>
-        <a:srgbClr val="E4F9F9"/>
+        <a:srgbClr val="E7E6E6"/>
       </a:lt2>
       <a:accent1>
-        <a:srgbClr val="07CB98"/>
+        <a:srgbClr val="5B9BD5"/>
       </a:accent1>
       <a:accent2>
-        <a:srgbClr val="5A90D1"/>
+        <a:srgbClr val="ED7D31"/>
       </a:accent2>
       <a:accent3>
-        <a:srgbClr val="E6AD1E"/>
+        <a:srgbClr val="A5A5A5"/>
       </a:accent3>
       <a:accent4>
-        <a:srgbClr val="EA6312"/>
+        <a:srgbClr val="FFC000"/>
       </a:accent4>
       <a:accent5>
-        <a:srgbClr val="8253A9"/>
+        <a:srgbClr val="4472C4"/>
       </a:accent5>
       <a:accent6>
-        <a:srgbClr val="CB274A"/>
+        <a:srgbClr val="70AD47"/>
       </a:accent6>
       <a:hlink>
-        <a:srgbClr val="5A90D1"/>
+        <a:srgbClr val="0563C1"/>
       </a:hlink>
       <a:folHlink>
-        <a:srgbClr val="969696"/>
+        <a:srgbClr val="954F72"/>
       </a:folHlink>
     </a:clrScheme>
-    <a:fontScheme name="Georgia">
+    <a:fontScheme name="Office">
       <a:majorFont>
-        <a:latin typeface="Georgia"/>
+        <a:latin typeface="Calibri Light" panose="020F0302020204030204"/>
         <a:ea typeface=""/>
         <a:cs typeface=""/>
-        <a:font script="Jpan" typeface="ＭＳ ゴシック"/>
-        <a:font script="Hang" typeface="HY중고딕"/>
-        <a:font script="Hans" typeface="幼圆"/>
-        <a:font script="Hant" typeface="微軟正黑體"/>
-        <a:font script="Arab" typeface="Tahoma"/>
-        <a:font script="Hebr" typeface="Gisha"/>
-        <a:font script="Thai" typeface="DilleniaUPC"/>
+        <a:font script="Jpan" typeface="ＭＳ Ｐゴシック"/>
+        <a:font script="Hang" typeface="맑은 고딕"/>
+        <a:font script="Hans" typeface="宋体"/>
+        <a:font script="Hant" typeface="新細明體"/>
+        <a:font script="Arab" typeface="Times New Roman"/>
+        <a:font script="Hebr" typeface="Times New Roman"/>
+        <a:font script="Thai" typeface="Angsana New"/>
+        <a:font script="Ethi" typeface="Nyala"/>
+        <a:font script="Beng" typeface="Vrinda"/>
+        <a:font script="Gujr" typeface="Shruti"/>
+        <a:font script="Khmr" typeface="MoolBoran"/>
+        <a:font script="Knda" typeface="Tunga"/>
+        <a:font script="Guru" typeface="Raavi"/>
+        <a:font script="Cans" typeface="Euphemia"/>
+        <a:font script="Cher" typeface="Plantagenet Cherokee"/>
+        <a:font script="Yiii" typeface="Microsoft Yi Baiti"/>
+        <a:font script="Tibt" typeface="Microsoft Himalaya"/>
+        <a:font script="Thaa" typeface="MV Boli"/>
+        <a:font script="Deva" typeface="Mangal"/>
+        <a:font script="Telu" typeface="Gautami"/>
+        <a:font script="Taml" typeface="Latha"/>
+        <a:font script="Syrc" typeface="Estrangelo Edessa"/>
+        <a:font script="Orya" typeface="Kalinga"/>
+        <a:font script="Mlym" typeface="Kartika"/>
+        <a:font script="Laoo" typeface="DokChampa"/>
+        <a:font script="Sinh" typeface="Iskoola Pota"/>
+        <a:font script="Mong" typeface="Mongolian Baiti"/>
+        <a:font script="Viet" typeface="Times New Roman"/>
+        <a:font script="Uigh" typeface="Microsoft Uighur"/>
+        <a:font script="Geor" typeface="Sylfaen"/>
+      </a:majorFont>
+      <a:minorFont>
+        <a:latin typeface="Calibri" panose="020F0502020204030204"/>
+        <a:ea typeface=""/>
+        <a:cs typeface=""/>
+        <a:font script="Jpan" typeface="ＭＳ Ｐゴシック"/>
+        <a:font script="Hang" typeface="맑은 고딕"/>
+        <a:font script="Hans" typeface="宋体"/>
+        <a:font script="Hant" typeface="新細明體"/>
+        <a:font script="Arab" typeface="Arial"/>
+        <a:font script="Hebr" typeface="Arial"/>
+        <a:font script="Thai" typeface="Cordia New"/>
         <a:font script="Ethi" typeface="Nyala"/>
         <a:font script="Beng" typeface="Vrinda"/>
         <a:font script="Gujr" typeface="Shruti"/>
@@ -4855,42 +4858,7 @@
         <a:font script="Laoo" typeface="DokChampa"/>
         <a:font script="Sinh" typeface="Iskoola Pota"/>
         <a:font script="Mong" typeface="Mongolian Baiti"/>
-        <a:font script="Viet" typeface="Tahoma"/>
-        <a:font script="Uigh" typeface="Microsoft Uighur"/>
-        <a:font script="Geor" typeface="Sylfaen"/>
-      </a:majorFont>
-      <a:minorFont>
-        <a:latin typeface="Georgia"/>
-        <a:ea typeface=""/>
-        <a:cs typeface=""/>
-        <a:font script="Jpan" typeface="ＭＳ ゴシック"/>
-        <a:font script="Hang" typeface="HY중고딕"/>
-        <a:font script="Hans" typeface="幼圆"/>
-        <a:font script="Hant" typeface="微軟正黑體"/>
-        <a:font script="Arab" typeface="Tahoma"/>
-        <a:font script="Hebr" typeface="Gisha"/>
-        <a:font script="Thai" typeface="DilleniaUPC"/>
-        <a:font script="Ethi" typeface="Nyala"/>
-        <a:font script="Beng" typeface="Vrinda"/>
-        <a:font script="Gujr" typeface="Shruti"/>
-        <a:font script="Khmr" typeface="DaunPenh"/>
-        <a:font script="Knda" typeface="Tunga"/>
-        <a:font script="Guru" typeface="Raavi"/>
-        <a:font script="Cans" typeface="Euphemia"/>
-        <a:font script="Cher" typeface="Plantagenet Cherokee"/>
-        <a:font script="Yiii" typeface="Microsoft Yi Baiti"/>
-        <a:font script="Tibt" typeface="Microsoft Himalaya"/>
-        <a:font script="Thaa" typeface="MV Boli"/>
-        <a:font script="Deva" typeface="Mangal"/>
-        <a:font script="Telu" typeface="Gautami"/>
-        <a:font script="Taml" typeface="Latha"/>
-        <a:font script="Syrc" typeface="Estrangelo Edessa"/>
-        <a:font script="Orya" typeface="Kalinga"/>
-        <a:font script="Mlym" typeface="Kartika"/>
-        <a:font script="Laoo" typeface="DokChampa"/>
-        <a:font script="Sinh" typeface="Iskoola Pota"/>
-        <a:font script="Mong" typeface="Mongolian Baiti"/>
-        <a:font script="Viet" typeface="Verdana"/>
+        <a:font script="Viet" typeface="Arial"/>
         <a:font script="Uigh" typeface="Microsoft Uighur"/>
         <a:font script="Geor" typeface="Sylfaen"/>
       </a:minorFont>
@@ -5037,7 +5005,7 @@
   <a:extraClrSchemeLst/>
   <a:extLst>
     <a:ext uri="{05A4C25C-085E-4340-85A3-A5531E510DB2}">
-      <thm15:themeFamily xmlns:thm15="http://schemas.microsoft.com/office/thememl/2012/main" name="Green brushed metal presentation (widescreen).potx" id="{DA9951C7-4320-4495-9FC1-E63CCA4172C0}" vid="{B4FD8286-12BA-4ECE-B80E-03C93BD82B08}"/>
+      <thm15:themeFamily xmlns:thm15="http://schemas.microsoft.com/office/thememl/2012/main" name="Office Theme" id="{62F939B6-93AF-4DB8-9C6B-D6C7DFDC589F}" vid="{4A3C46E8-61CC-4603-A589-7422A47A8E4A}"/>
     </a:ext>
   </a:extLst>
 </a:theme>
